--- a/Presentation.pptx
+++ b/Presentation.pptx
@@ -120,6 +120,11 @@
       </a:defRPr>
     </a:lvl9pPr>
   </p:defaultTextStyle>
+  <p:extLst>
+    <p:ext uri="{EFAFB233-063F-42B5-8137-9DF3F51BA10A}">
+      <p15:sldGuideLst xmlns:p15="http://schemas.microsoft.com/office/powerpoint/2012/main"/>
+    </p:ext>
+  </p:extLst>
 </p:presentation>
 </file>
 
@@ -165,10 +170,9 @@
           </a:lstStyle>
           <a:p>
             <a:r>
-              <a:rPr lang="en-US" smtClean="0"/>
+              <a:rPr lang="en-US"/>
               <a:t>Click to edit Master title style</a:t>
             </a:r>
-            <a:endParaRPr lang="en-US"/>
           </a:p>
         </p:txBody>
       </p:sp>
@@ -230,10 +234,9 @@
           </a:lstStyle>
           <a:p>
             <a:r>
-              <a:rPr lang="en-US" smtClean="0"/>
+              <a:rPr lang="en-US"/>
               <a:t>Click to edit Master subtitle style</a:t>
             </a:r>
-            <a:endParaRPr lang="en-US"/>
           </a:p>
         </p:txBody>
       </p:sp>
@@ -348,10 +351,9 @@
           <a:lstStyle/>
           <a:p>
             <a:r>
-              <a:rPr lang="en-US" smtClean="0"/>
+              <a:rPr lang="en-US"/>
               <a:t>Click to edit Master title style</a:t>
             </a:r>
-            <a:endParaRPr lang="en-US"/>
           </a:p>
         </p:txBody>
       </p:sp>
@@ -372,38 +374,37 @@
           <a:p>
             <a:pPr lvl="0"/>
             <a:r>
-              <a:rPr lang="en-US" smtClean="0"/>
+              <a:rPr lang="en-US"/>
               <a:t>Edit Master text styles</a:t>
             </a:r>
           </a:p>
           <a:p>
             <a:pPr lvl="1"/>
             <a:r>
-              <a:rPr lang="en-US" smtClean="0"/>
+              <a:rPr lang="en-US"/>
               <a:t>Second level</a:t>
             </a:r>
           </a:p>
           <a:p>
             <a:pPr lvl="2"/>
             <a:r>
-              <a:rPr lang="en-US" smtClean="0"/>
+              <a:rPr lang="en-US"/>
               <a:t>Third level</a:t>
             </a:r>
           </a:p>
           <a:p>
             <a:pPr lvl="3"/>
             <a:r>
-              <a:rPr lang="en-US" smtClean="0"/>
+              <a:rPr lang="en-US"/>
               <a:t>Fourth level</a:t>
             </a:r>
           </a:p>
           <a:p>
             <a:pPr lvl="4"/>
             <a:r>
-              <a:rPr lang="en-US" smtClean="0"/>
+              <a:rPr lang="en-US"/>
               <a:t>Fifth level</a:t>
             </a:r>
-            <a:endParaRPr lang="en-US"/>
           </a:p>
         </p:txBody>
       </p:sp>
@@ -523,10 +524,9 @@
           <a:lstStyle/>
           <a:p>
             <a:r>
-              <a:rPr lang="en-US" smtClean="0"/>
+              <a:rPr lang="en-US"/>
               <a:t>Click to edit Master title style</a:t>
             </a:r>
-            <a:endParaRPr lang="en-US"/>
           </a:p>
         </p:txBody>
       </p:sp>
@@ -552,38 +552,37 @@
           <a:p>
             <a:pPr lvl="0"/>
             <a:r>
-              <a:rPr lang="en-US" smtClean="0"/>
+              <a:rPr lang="en-US"/>
               <a:t>Edit Master text styles</a:t>
             </a:r>
           </a:p>
           <a:p>
             <a:pPr lvl="1"/>
             <a:r>
-              <a:rPr lang="en-US" smtClean="0"/>
+              <a:rPr lang="en-US"/>
               <a:t>Second level</a:t>
             </a:r>
           </a:p>
           <a:p>
             <a:pPr lvl="2"/>
             <a:r>
-              <a:rPr lang="en-US" smtClean="0"/>
+              <a:rPr lang="en-US"/>
               <a:t>Third level</a:t>
             </a:r>
           </a:p>
           <a:p>
             <a:pPr lvl="3"/>
             <a:r>
-              <a:rPr lang="en-US" smtClean="0"/>
+              <a:rPr lang="en-US"/>
               <a:t>Fourth level</a:t>
             </a:r>
           </a:p>
           <a:p>
             <a:pPr lvl="4"/>
             <a:r>
-              <a:rPr lang="en-US" smtClean="0"/>
+              <a:rPr lang="en-US"/>
               <a:t>Fifth level</a:t>
             </a:r>
-            <a:endParaRPr lang="en-US"/>
           </a:p>
         </p:txBody>
       </p:sp>
@@ -758,10 +757,9 @@
           <a:lstStyle/>
           <a:p>
             <a:r>
-              <a:rPr lang="en-US" smtClean="0"/>
+              <a:rPr lang="en-US"/>
               <a:t>Click to edit Master title style</a:t>
             </a:r>
-            <a:endParaRPr lang="en-US"/>
           </a:p>
         </p:txBody>
       </p:sp>
@@ -782,38 +780,37 @@
           <a:p>
             <a:pPr lvl="0"/>
             <a:r>
-              <a:rPr lang="en-US" smtClean="0"/>
+              <a:rPr lang="en-US"/>
               <a:t>Edit Master text styles</a:t>
             </a:r>
           </a:p>
           <a:p>
             <a:pPr lvl="1"/>
             <a:r>
-              <a:rPr lang="en-US" smtClean="0"/>
+              <a:rPr lang="en-US"/>
               <a:t>Second level</a:t>
             </a:r>
           </a:p>
           <a:p>
             <a:pPr lvl="2"/>
             <a:r>
-              <a:rPr lang="en-US" smtClean="0"/>
+              <a:rPr lang="en-US"/>
               <a:t>Third level</a:t>
             </a:r>
           </a:p>
           <a:p>
             <a:pPr lvl="3"/>
             <a:r>
-              <a:rPr lang="en-US" smtClean="0"/>
+              <a:rPr lang="en-US"/>
               <a:t>Fourth level</a:t>
             </a:r>
           </a:p>
           <a:p>
             <a:pPr lvl="4"/>
             <a:r>
-              <a:rPr lang="en-US" smtClean="0"/>
+              <a:rPr lang="en-US"/>
               <a:t>Fifth level</a:t>
             </a:r>
-            <a:endParaRPr lang="en-US"/>
           </a:p>
         </p:txBody>
       </p:sp>
@@ -937,10 +934,9 @@
           </a:lstStyle>
           <a:p>
             <a:r>
-              <a:rPr lang="en-US" smtClean="0"/>
+              <a:rPr lang="en-US"/>
               <a:t>Click to edit Master title style</a:t>
             </a:r>
-            <a:endParaRPr lang="en-US"/>
           </a:p>
         </p:txBody>
       </p:sp>
@@ -1057,7 +1053,7 @@
           <a:p>
             <a:pPr lvl="0"/>
             <a:r>
-              <a:rPr lang="en-US" smtClean="0"/>
+              <a:rPr lang="en-US"/>
               <a:t>Edit Master text styles</a:t>
             </a:r>
           </a:p>
@@ -1174,10 +1170,9 @@
           <a:lstStyle/>
           <a:p>
             <a:r>
-              <a:rPr lang="en-US" smtClean="0"/>
+              <a:rPr lang="en-US"/>
               <a:t>Click to edit Master title style</a:t>
             </a:r>
-            <a:endParaRPr lang="en-US"/>
           </a:p>
         </p:txBody>
       </p:sp>
@@ -1203,38 +1198,37 @@
           <a:p>
             <a:pPr lvl="0"/>
             <a:r>
-              <a:rPr lang="en-US" smtClean="0"/>
+              <a:rPr lang="en-US"/>
               <a:t>Edit Master text styles</a:t>
             </a:r>
           </a:p>
           <a:p>
             <a:pPr lvl="1"/>
             <a:r>
-              <a:rPr lang="en-US" smtClean="0"/>
+              <a:rPr lang="en-US"/>
               <a:t>Second level</a:t>
             </a:r>
           </a:p>
           <a:p>
             <a:pPr lvl="2"/>
             <a:r>
-              <a:rPr lang="en-US" smtClean="0"/>
+              <a:rPr lang="en-US"/>
               <a:t>Third level</a:t>
             </a:r>
           </a:p>
           <a:p>
             <a:pPr lvl="3"/>
             <a:r>
-              <a:rPr lang="en-US" smtClean="0"/>
+              <a:rPr lang="en-US"/>
               <a:t>Fourth level</a:t>
             </a:r>
           </a:p>
           <a:p>
             <a:pPr lvl="4"/>
             <a:r>
-              <a:rPr lang="en-US" smtClean="0"/>
+              <a:rPr lang="en-US"/>
               <a:t>Fifth level</a:t>
             </a:r>
-            <a:endParaRPr lang="en-US"/>
           </a:p>
         </p:txBody>
       </p:sp>
@@ -1260,38 +1254,37 @@
           <a:p>
             <a:pPr lvl="0"/>
             <a:r>
-              <a:rPr lang="en-US" smtClean="0"/>
+              <a:rPr lang="en-US"/>
               <a:t>Edit Master text styles</a:t>
             </a:r>
           </a:p>
           <a:p>
             <a:pPr lvl="1"/>
             <a:r>
-              <a:rPr lang="en-US" smtClean="0"/>
+              <a:rPr lang="en-US"/>
               <a:t>Second level</a:t>
             </a:r>
           </a:p>
           <a:p>
             <a:pPr lvl="2"/>
             <a:r>
-              <a:rPr lang="en-US" smtClean="0"/>
+              <a:rPr lang="en-US"/>
               <a:t>Third level</a:t>
             </a:r>
           </a:p>
           <a:p>
             <a:pPr lvl="3"/>
             <a:r>
-              <a:rPr lang="en-US" smtClean="0"/>
+              <a:rPr lang="en-US"/>
               <a:t>Fourth level</a:t>
             </a:r>
           </a:p>
           <a:p>
             <a:pPr lvl="4"/>
             <a:r>
-              <a:rPr lang="en-US" smtClean="0"/>
+              <a:rPr lang="en-US"/>
               <a:t>Fifth level</a:t>
             </a:r>
-            <a:endParaRPr lang="en-US"/>
           </a:p>
         </p:txBody>
       </p:sp>
@@ -1411,10 +1404,9 @@
           <a:lstStyle/>
           <a:p>
             <a:r>
-              <a:rPr lang="en-US" smtClean="0"/>
+              <a:rPr lang="en-US"/>
               <a:t>Click to edit Master title style</a:t>
             </a:r>
-            <a:endParaRPr lang="en-US"/>
           </a:p>
         </p:txBody>
       </p:sp>
@@ -1477,7 +1469,7 @@
           <a:p>
             <a:pPr lvl="0"/>
             <a:r>
-              <a:rPr lang="en-US" smtClean="0"/>
+              <a:rPr lang="en-US"/>
               <a:t>Edit Master text styles</a:t>
             </a:r>
           </a:p>
@@ -1505,38 +1497,37 @@
           <a:p>
             <a:pPr lvl="0"/>
             <a:r>
-              <a:rPr lang="en-US" smtClean="0"/>
+              <a:rPr lang="en-US"/>
               <a:t>Edit Master text styles</a:t>
             </a:r>
           </a:p>
           <a:p>
             <a:pPr lvl="1"/>
             <a:r>
-              <a:rPr lang="en-US" smtClean="0"/>
+              <a:rPr lang="en-US"/>
               <a:t>Second level</a:t>
             </a:r>
           </a:p>
           <a:p>
             <a:pPr lvl="2"/>
             <a:r>
-              <a:rPr lang="en-US" smtClean="0"/>
+              <a:rPr lang="en-US"/>
               <a:t>Third level</a:t>
             </a:r>
           </a:p>
           <a:p>
             <a:pPr lvl="3"/>
             <a:r>
-              <a:rPr lang="en-US" smtClean="0"/>
+              <a:rPr lang="en-US"/>
               <a:t>Fourth level</a:t>
             </a:r>
           </a:p>
           <a:p>
             <a:pPr lvl="4"/>
             <a:r>
-              <a:rPr lang="en-US" smtClean="0"/>
+              <a:rPr lang="en-US"/>
               <a:t>Fifth level</a:t>
             </a:r>
-            <a:endParaRPr lang="en-US"/>
           </a:p>
         </p:txBody>
       </p:sp>
@@ -1599,7 +1590,7 @@
           <a:p>
             <a:pPr lvl="0"/>
             <a:r>
-              <a:rPr lang="en-US" smtClean="0"/>
+              <a:rPr lang="en-US"/>
               <a:t>Edit Master text styles</a:t>
             </a:r>
           </a:p>
@@ -1627,38 +1618,37 @@
           <a:p>
             <a:pPr lvl="0"/>
             <a:r>
-              <a:rPr lang="en-US" smtClean="0"/>
+              <a:rPr lang="en-US"/>
               <a:t>Edit Master text styles</a:t>
             </a:r>
           </a:p>
           <a:p>
             <a:pPr lvl="1"/>
             <a:r>
-              <a:rPr lang="en-US" smtClean="0"/>
+              <a:rPr lang="en-US"/>
               <a:t>Second level</a:t>
             </a:r>
           </a:p>
           <a:p>
             <a:pPr lvl="2"/>
             <a:r>
-              <a:rPr lang="en-US" smtClean="0"/>
+              <a:rPr lang="en-US"/>
               <a:t>Third level</a:t>
             </a:r>
           </a:p>
           <a:p>
             <a:pPr lvl="3"/>
             <a:r>
-              <a:rPr lang="en-US" smtClean="0"/>
+              <a:rPr lang="en-US"/>
               <a:t>Fourth level</a:t>
             </a:r>
           </a:p>
           <a:p>
             <a:pPr lvl="4"/>
             <a:r>
-              <a:rPr lang="en-US" smtClean="0"/>
+              <a:rPr lang="en-US"/>
               <a:t>Fifth level</a:t>
             </a:r>
-            <a:endParaRPr lang="en-US"/>
           </a:p>
         </p:txBody>
       </p:sp>
@@ -1773,10 +1763,9 @@
           <a:lstStyle/>
           <a:p>
             <a:r>
-              <a:rPr lang="en-US" smtClean="0"/>
+              <a:rPr lang="en-US"/>
               <a:t>Click to edit Master title style</a:t>
             </a:r>
-            <a:endParaRPr lang="en-US"/>
           </a:p>
         </p:txBody>
       </p:sp>
@@ -1995,10 +1984,9 @@
           </a:lstStyle>
           <a:p>
             <a:r>
-              <a:rPr lang="en-US" smtClean="0"/>
+              <a:rPr lang="en-US"/>
               <a:t>Click to edit Master title style</a:t>
             </a:r>
-            <a:endParaRPr lang="en-US"/>
           </a:p>
         </p:txBody>
       </p:sp>
@@ -2052,38 +2040,37 @@
           <a:p>
             <a:pPr lvl="0"/>
             <a:r>
-              <a:rPr lang="en-US" smtClean="0"/>
+              <a:rPr lang="en-US"/>
               <a:t>Edit Master text styles</a:t>
             </a:r>
           </a:p>
           <a:p>
             <a:pPr lvl="1"/>
             <a:r>
-              <a:rPr lang="en-US" smtClean="0"/>
+              <a:rPr lang="en-US"/>
               <a:t>Second level</a:t>
             </a:r>
           </a:p>
           <a:p>
             <a:pPr lvl="2"/>
             <a:r>
-              <a:rPr lang="en-US" smtClean="0"/>
+              <a:rPr lang="en-US"/>
               <a:t>Third level</a:t>
             </a:r>
           </a:p>
           <a:p>
             <a:pPr lvl="3"/>
             <a:r>
-              <a:rPr lang="en-US" smtClean="0"/>
+              <a:rPr lang="en-US"/>
               <a:t>Fourth level</a:t>
             </a:r>
           </a:p>
           <a:p>
             <a:pPr lvl="4"/>
             <a:r>
-              <a:rPr lang="en-US" smtClean="0"/>
+              <a:rPr lang="en-US"/>
               <a:t>Fifth level</a:t>
             </a:r>
-            <a:endParaRPr lang="en-US"/>
           </a:p>
         </p:txBody>
       </p:sp>
@@ -2146,7 +2133,7 @@
           <a:p>
             <a:pPr lvl="0"/>
             <a:r>
-              <a:rPr lang="en-US" smtClean="0"/>
+              <a:rPr lang="en-US"/>
               <a:t>Edit Master text styles</a:t>
             </a:r>
           </a:p>
@@ -2272,10 +2259,9 @@
           </a:lstStyle>
           <a:p>
             <a:r>
-              <a:rPr lang="en-US" smtClean="0"/>
+              <a:rPr lang="en-US"/>
               <a:t>Click to edit Master title style</a:t>
             </a:r>
-            <a:endParaRPr lang="en-US"/>
           </a:p>
         </p:txBody>
       </p:sp>
@@ -2399,7 +2385,7 @@
           <a:p>
             <a:pPr lvl="0"/>
             <a:r>
-              <a:rPr lang="en-US" smtClean="0"/>
+              <a:rPr lang="en-US"/>
               <a:t>Edit Master text styles</a:t>
             </a:r>
           </a:p>
@@ -2531,10 +2517,9 @@
           <a:lstStyle/>
           <a:p>
             <a:r>
-              <a:rPr lang="en-US" smtClean="0"/>
+              <a:rPr lang="en-US"/>
               <a:t>Click to edit Master title style</a:t>
             </a:r>
-            <a:endParaRPr lang="en-US"/>
           </a:p>
         </p:txBody>
       </p:sp>
@@ -2565,38 +2550,37 @@
           <a:p>
             <a:pPr lvl="0"/>
             <a:r>
-              <a:rPr lang="en-US" smtClean="0"/>
+              <a:rPr lang="en-US"/>
               <a:t>Edit Master text styles</a:t>
             </a:r>
           </a:p>
           <a:p>
             <a:pPr lvl="1"/>
             <a:r>
-              <a:rPr lang="en-US" smtClean="0"/>
+              <a:rPr lang="en-US"/>
               <a:t>Second level</a:t>
             </a:r>
           </a:p>
           <a:p>
             <a:pPr lvl="2"/>
             <a:r>
-              <a:rPr lang="en-US" smtClean="0"/>
+              <a:rPr lang="en-US"/>
               <a:t>Third level</a:t>
             </a:r>
           </a:p>
           <a:p>
             <a:pPr lvl="3"/>
             <a:r>
-              <a:rPr lang="en-US" smtClean="0"/>
+              <a:rPr lang="en-US"/>
               <a:t>Fourth level</a:t>
             </a:r>
           </a:p>
           <a:p>
             <a:pPr lvl="4"/>
             <a:r>
-              <a:rPr lang="en-US" smtClean="0"/>
+              <a:rPr lang="en-US"/>
               <a:t>Fifth level</a:t>
             </a:r>
-            <a:endParaRPr lang="en-US"/>
           </a:p>
         </p:txBody>
       </p:sp>
@@ -3388,12 +3372,12 @@
         </p:spPr>
         <p:txBody>
           <a:bodyPr>
-            <a:normAutofit fontScale="92500" lnSpcReduction="20000"/>
+            <a:normAutofit fontScale="85000" lnSpcReduction="20000"/>
           </a:bodyPr>
           <a:lstStyle/>
           <a:p>
             <a:r>
-              <a:rPr lang="en-US" dirty="0" smtClean="0">
+              <a:rPr lang="en-US" dirty="0">
                 <a:solidFill>
                   <a:schemeClr val="bg1"/>
                 </a:solidFill>
@@ -3412,7 +3396,7 @@
           <a:p>
             <a:pPr algn="l"/>
             <a:r>
-              <a:rPr lang="en-US" dirty="0" smtClean="0">
+              <a:rPr lang="en-US" dirty="0">
                 <a:solidFill>
                   <a:schemeClr val="bg1"/>
                 </a:solidFill>
@@ -3423,7 +3407,7 @@
           <a:p>
             <a:pPr algn="l"/>
             <a:r>
-              <a:rPr lang="en-US" dirty="0" smtClean="0">
+              <a:rPr lang="en-US" dirty="0">
                 <a:solidFill>
                   <a:schemeClr val="bg1"/>
                 </a:solidFill>
@@ -3469,12 +3453,6 @@
               </a:rPr>
               <a:t>Diagram Software</a:t>
             </a:r>
-            <a:endParaRPr lang="en-US" sz="5400" dirty="0">
-              <a:solidFill>
-                <a:schemeClr val="bg1"/>
-              </a:solidFill>
-              <a:latin typeface="Book Antiqua" panose="02040602050305030304" pitchFamily="18" charset="0"/>
-            </a:endParaRPr>
           </a:p>
         </p:txBody>
       </p:sp>
@@ -3500,18 +3478,13 @@
           <a:lstStyle/>
           <a:p>
             <a:r>
-              <a:rPr lang="en-US" dirty="0" smtClean="0">
+              <a:rPr lang="en-US" dirty="0">
                 <a:solidFill>
                   <a:schemeClr val="bg1"/>
                 </a:solidFill>
               </a:rPr>
               <a:t>JAC, ipd-12, March 2018</a:t>
             </a:r>
-            <a:endParaRPr lang="en-US" dirty="0" smtClean="0">
-              <a:solidFill>
-                <a:schemeClr val="bg1"/>
-              </a:solidFill>
-            </a:endParaRPr>
           </a:p>
         </p:txBody>
       </p:sp>
@@ -3525,13 +3498,6 @@
   <p:clrMapOvr>
     <a:masterClrMapping/>
   </p:clrMapOvr>
-  <p:timing>
-    <p:tnLst>
-      <p:par>
-        <p:cTn id="1" dur="indefinite" restart="never" nodeType="tmRoot"/>
-      </p:par>
-    </p:tnLst>
-  </p:timing>
 </p:sld>
 </file>
 
@@ -3567,25 +3533,6 @@
       </p:grpSpPr>
       <p:sp>
         <p:nvSpPr>
-          <p:cNvPr id="3" name="Content Placeholder 2"/>
-          <p:cNvSpPr>
-            <a:spLocks noGrp="1"/>
-          </p:cNvSpPr>
-          <p:nvPr>
-            <p:ph idx="1"/>
-          </p:nvPr>
-        </p:nvSpPr>
-        <p:spPr/>
-        <p:txBody>
-          <a:bodyPr/>
-          <a:lstStyle/>
-          <a:p>
-            <a:endParaRPr lang="en-US"/>
-          </a:p>
-        </p:txBody>
-      </p:sp>
-      <p:sp>
-        <p:nvSpPr>
           <p:cNvPr id="4" name="Rectangle 2"/>
           <p:cNvSpPr>
             <a:spLocks noGrp="1" noChangeArrowheads="1"/>
@@ -3606,7 +3553,7 @@
         </p:spPr>
         <p:txBody>
           <a:bodyPr vert="horz" lIns="91440" tIns="45720" rIns="91440" bIns="45720" rtlCol="0" anchor="b">
-            <a:normAutofit/>
+            <a:normAutofit fontScale="90000"/>
           </a:bodyPr>
           <a:lstStyle/>
           <a:p>
@@ -3618,11 +3565,142 @@
                 </a:solidFill>
                 <a:latin typeface="Book Antiqua" panose="02040602050305030304" pitchFamily="18" charset="0"/>
               </a:rPr>
-              <a:t>Challenges and solution  </a:t>
-            </a:r>
-          </a:p>
-        </p:txBody>
-      </p:sp>
+              <a:t>Challenges and solution : “Learning” a library</a:t>
+            </a:r>
+          </a:p>
+        </p:txBody>
+      </p:sp>
+      <p:pic>
+        <p:nvPicPr>
+          <p:cNvPr id="11" name="Content Placeholder 10">
+            <a:extLst>
+              <a:ext uri="{FF2B5EF4-FFF2-40B4-BE49-F238E27FC236}">
+                <a16:creationId xmlns:a16="http://schemas.microsoft.com/office/drawing/2014/main" id="{34CDC147-8EAF-466E-AEB8-04775CEB16EB}"/>
+              </a:ext>
+            </a:extLst>
+          </p:cNvPr>
+          <p:cNvPicPr>
+            <a:picLocks noGrp="1" noChangeAspect="1"/>
+          </p:cNvPicPr>
+          <p:nvPr>
+            <p:ph idx="1"/>
+          </p:nvPr>
+        </p:nvPicPr>
+        <p:blipFill>
+          <a:blip r:embed="rId3">
+            <a:extLst>
+              <a:ext uri="{28A0092B-C50C-407E-A947-70E740481C1C}">
+                <a14:useLocalDpi xmlns:a14="http://schemas.microsoft.com/office/drawing/2010/main" val="0"/>
+              </a:ext>
+            </a:extLst>
+          </a:blip>
+          <a:stretch>
+            <a:fillRect/>
+          </a:stretch>
+        </p:blipFill>
+        <p:spPr>
+          <a:xfrm>
+            <a:off x="665067" y="4588935"/>
+            <a:ext cx="10304487" cy="2019582"/>
+          </a:xfrm>
+        </p:spPr>
+      </p:pic>
+      <p:sp>
+        <p:nvSpPr>
+          <p:cNvPr id="14" name="Rectangle 13">
+            <a:extLst>
+              <a:ext uri="{FF2B5EF4-FFF2-40B4-BE49-F238E27FC236}">
+                <a16:creationId xmlns:a16="http://schemas.microsoft.com/office/drawing/2014/main" id="{A6CDE64C-AA65-4AB4-B76A-121857E9EEF0}"/>
+              </a:ext>
+            </a:extLst>
+          </p:cNvPr>
+          <p:cNvSpPr/>
+          <p:nvPr/>
+        </p:nvSpPr>
+        <p:spPr>
+          <a:xfrm>
+            <a:off x="661737" y="1840831"/>
+            <a:ext cx="6472989" cy="2427849"/>
+          </a:xfrm>
+          <a:prstGeom prst="rect">
+            <a:avLst/>
+          </a:prstGeom>
+        </p:spPr>
+        <p:style>
+          <a:lnRef idx="2">
+            <a:schemeClr val="accent1">
+              <a:shade val="50000"/>
+            </a:schemeClr>
+          </a:lnRef>
+          <a:fillRef idx="1">
+            <a:schemeClr val="accent1"/>
+          </a:fillRef>
+          <a:effectRef idx="0">
+            <a:schemeClr val="accent1"/>
+          </a:effectRef>
+          <a:fontRef idx="minor">
+            <a:schemeClr val="lt1"/>
+          </a:fontRef>
+        </p:style>
+        <p:txBody>
+          <a:bodyPr rtlCol="0" anchor="t"/>
+          <a:lstStyle/>
+          <a:p>
+            <a:r>
+              <a:rPr lang="en-CA" sz="2400" dirty="0"/>
+              <a:t>Toughest challenge by far: </a:t>
+            </a:r>
+          </a:p>
+          <a:p>
+            <a:r>
+              <a:rPr lang="en-CA" sz="2400" dirty="0"/>
+              <a:t>Using a huge library with little to no help even from the mighty google.</a:t>
+            </a:r>
+          </a:p>
+          <a:p>
+            <a:r>
+              <a:rPr lang="en-CA" sz="2400" dirty="0"/>
+              <a:t>This was done through reading very generic documentation and forum posts that could be decades old.</a:t>
+            </a:r>
+          </a:p>
+        </p:txBody>
+      </p:sp>
+      <p:pic>
+        <p:nvPicPr>
+          <p:cNvPr id="16" name="Picture 15">
+            <a:extLst>
+              <a:ext uri="{FF2B5EF4-FFF2-40B4-BE49-F238E27FC236}">
+                <a16:creationId xmlns:a16="http://schemas.microsoft.com/office/drawing/2014/main" id="{52A0717E-04E2-47FA-AFFF-52BD7A88E72C}"/>
+              </a:ext>
+            </a:extLst>
+          </p:cNvPr>
+          <p:cNvPicPr>
+            <a:picLocks noChangeAspect="1"/>
+          </p:cNvPicPr>
+          <p:nvPr/>
+        </p:nvPicPr>
+        <p:blipFill>
+          <a:blip r:embed="rId4">
+            <a:extLst>
+              <a:ext uri="{28A0092B-C50C-407E-A947-70E740481C1C}">
+                <a14:useLocalDpi xmlns:a14="http://schemas.microsoft.com/office/drawing/2010/main" val="0"/>
+              </a:ext>
+            </a:extLst>
+          </a:blip>
+          <a:stretch>
+            <a:fillRect/>
+          </a:stretch>
+        </p:blipFill>
+        <p:spPr>
+          <a:xfrm>
+            <a:off x="7339944" y="1840831"/>
+            <a:ext cx="4610743" cy="2427850"/>
+          </a:xfrm>
+          <a:prstGeom prst="rect">
+            <a:avLst/>
+          </a:prstGeom>
+        </p:spPr>
+      </p:pic>
     </p:spTree>
     <p:extLst>
       <p:ext uri="{BB962C8B-B14F-4D97-AF65-F5344CB8AC3E}">
@@ -3633,13 +3711,6 @@
   <p:clrMapOvr>
     <a:overrideClrMapping bg1="lt1" tx1="dk1" bg2="lt2" tx2="dk2" accent1="accent1" accent2="accent2" accent3="accent3" accent4="accent4" accent5="accent5" accent6="accent6" hlink="hlink" folHlink="folHlink"/>
   </p:clrMapOvr>
-  <p:timing>
-    <p:tnLst>
-      <p:par>
-        <p:cTn id="1" dur="indefinite" restart="never" nodeType="tmRoot"/>
-      </p:par>
-    </p:tnLst>
-  </p:timing>
 </p:sld>
 </file>
 
@@ -3741,13 +3812,6 @@
   <p:clrMapOvr>
     <a:overrideClrMapping bg1="lt1" tx1="dk1" bg2="lt2" tx2="dk2" accent1="accent1" accent2="accent2" accent3="accent3" accent4="accent4" accent5="accent5" accent6="accent6" hlink="hlink" folHlink="folHlink"/>
   </p:clrMapOvr>
-  <p:timing>
-    <p:tnLst>
-      <p:par>
-        <p:cTn id="1" dur="indefinite" restart="never" nodeType="tmRoot"/>
-      </p:par>
-    </p:tnLst>
-  </p:timing>
 </p:sld>
 </file>
 
@@ -3796,7 +3860,41 @@
           <a:bodyPr/>
           <a:lstStyle/>
           <a:p>
-            <a:endParaRPr lang="en-US"/>
+            <a:r>
+              <a:rPr lang="en-US" dirty="0">
+                <a:solidFill>
+                  <a:schemeClr val="bg1"/>
+                </a:solidFill>
+              </a:rPr>
+              <a:t>Learned how to use and understand (more or less) official documentation for libraries.</a:t>
+            </a:r>
+          </a:p>
+          <a:p>
+            <a:r>
+              <a:rPr lang="en-US" dirty="0">
+                <a:solidFill>
+                  <a:schemeClr val="bg1"/>
+                </a:solidFill>
+              </a:rPr>
+              <a:t>Trial and error, as well as debugging skills. Less reliance on specific examples</a:t>
+            </a:r>
+          </a:p>
+          <a:p>
+            <a:r>
+              <a:rPr lang="en-US" dirty="0">
+                <a:solidFill>
+                  <a:schemeClr val="bg1"/>
+                </a:solidFill>
+              </a:rPr>
+              <a:t>Some more knowledge of events and event handlers.</a:t>
+            </a:r>
+          </a:p>
+          <a:p>
+            <a:endParaRPr lang="en-US" dirty="0">
+              <a:solidFill>
+                <a:schemeClr val="bg1"/>
+              </a:solidFill>
+            </a:endParaRPr>
           </a:p>
         </p:txBody>
       </p:sp>
@@ -3849,13 +3947,6 @@
   <p:clrMapOvr>
     <a:overrideClrMapping bg1="lt1" tx1="dk1" bg2="lt2" tx2="dk2" accent1="accent1" accent2="accent2" accent3="accent3" accent4="accent4" accent5="accent5" accent6="accent6" hlink="hlink" folHlink="folHlink"/>
   </p:clrMapOvr>
-  <p:timing>
-    <p:tnLst>
-      <p:par>
-        <p:cTn id="1" dur="indefinite" restart="never" nodeType="tmRoot"/>
-      </p:par>
-    </p:tnLst>
-  </p:timing>
 </p:sld>
 </file>
 
@@ -3957,13 +4048,6 @@
   <p:clrMapOvr>
     <a:overrideClrMapping bg1="lt1" tx1="dk1" bg2="lt2" tx2="dk2" accent1="accent1" accent2="accent2" accent3="accent3" accent4="accent4" accent5="accent5" accent6="accent6" hlink="hlink" folHlink="folHlink"/>
   </p:clrMapOvr>
-  <p:timing>
-    <p:tnLst>
-      <p:par>
-        <p:cTn id="1" dur="indefinite" restart="never" nodeType="tmRoot"/>
-      </p:par>
-    </p:tnLst>
-  </p:timing>
 </p:sld>
 </file>
 
@@ -4065,13 +4149,6 @@
   <p:clrMapOvr>
     <a:overrideClrMapping bg1="lt1" tx1="dk1" bg2="lt2" tx2="dk2" accent1="accent1" accent2="accent2" accent3="accent3" accent4="accent4" accent5="accent5" accent6="accent6" hlink="hlink" folHlink="folHlink"/>
   </p:clrMapOvr>
-  <p:timing>
-    <p:tnLst>
-      <p:par>
-        <p:cTn id="1" dur="indefinite" restart="never" nodeType="tmRoot"/>
-      </p:par>
-    </p:tnLst>
-  </p:timing>
 </p:sld>
 </file>
 
@@ -4115,12 +4192,44 @@
             <p:ph idx="1"/>
           </p:nvPr>
         </p:nvSpPr>
-        <p:spPr/>
+        <p:spPr>
+          <a:xfrm>
+            <a:off x="838200" y="1825625"/>
+            <a:ext cx="6296526" cy="4351338"/>
+          </a:xfrm>
+        </p:spPr>
         <p:txBody>
           <a:bodyPr/>
           <a:lstStyle/>
           <a:p>
-            <a:endParaRPr lang="en-US"/>
+            <a:r>
+              <a:rPr lang="en-US" dirty="0">
+                <a:solidFill>
+                  <a:schemeClr val="bg1"/>
+                </a:solidFill>
+              </a:rPr>
+              <a:t>Dragging and dropping certain nodes cause certain functions. </a:t>
+            </a:r>
+          </a:p>
+          <a:p>
+            <a:r>
+              <a:rPr lang="en-US" dirty="0">
+                <a:solidFill>
+                  <a:schemeClr val="bg1"/>
+                </a:solidFill>
+              </a:rPr>
+              <a:t>More toolbar functions. </a:t>
+            </a:r>
+          </a:p>
+          <a:p>
+            <a:r>
+              <a:rPr lang="en-US" dirty="0">
+                <a:solidFill>
+                  <a:schemeClr val="bg1"/>
+                </a:solidFill>
+              </a:rPr>
+              <a:t>More diagrams</a:t>
+            </a:r>
           </a:p>
         </p:txBody>
       </p:sp>
@@ -4163,6 +4272,42 @@
           </a:p>
         </p:txBody>
       </p:sp>
+      <p:pic>
+        <p:nvPicPr>
+          <p:cNvPr id="5" name="Picture 4">
+            <a:extLst>
+              <a:ext uri="{FF2B5EF4-FFF2-40B4-BE49-F238E27FC236}">
+                <a16:creationId xmlns:a16="http://schemas.microsoft.com/office/drawing/2014/main" id="{5D155791-DF69-4E27-9E09-B34B276041EF}"/>
+              </a:ext>
+            </a:extLst>
+          </p:cNvPr>
+          <p:cNvPicPr>
+            <a:picLocks noChangeAspect="1"/>
+          </p:cNvPicPr>
+          <p:nvPr/>
+        </p:nvPicPr>
+        <p:blipFill>
+          <a:blip r:embed="rId3">
+            <a:extLst>
+              <a:ext uri="{28A0092B-C50C-407E-A947-70E740481C1C}">
+                <a14:useLocalDpi xmlns:a14="http://schemas.microsoft.com/office/drawing/2010/main" val="0"/>
+              </a:ext>
+            </a:extLst>
+          </a:blip>
+          <a:stretch>
+            <a:fillRect/>
+          </a:stretch>
+        </p:blipFill>
+        <p:spPr>
+          <a:xfrm>
+            <a:off x="7314891" y="1954493"/>
+            <a:ext cx="4420217" cy="1962424"/>
+          </a:xfrm>
+          <a:prstGeom prst="rect">
+            <a:avLst/>
+          </a:prstGeom>
+        </p:spPr>
+      </p:pic>
     </p:spTree>
     <p:extLst>
       <p:ext uri="{BB962C8B-B14F-4D97-AF65-F5344CB8AC3E}">
@@ -4173,13 +4318,6 @@
   <p:clrMapOvr>
     <a:overrideClrMapping bg1="lt1" tx1="dk1" bg2="lt2" tx2="dk2" accent1="accent1" accent2="accent2" accent3="accent3" accent4="accent4" accent5="accent5" accent6="accent6" hlink="hlink" folHlink="folHlink"/>
   </p:clrMapOvr>
-  <p:timing>
-    <p:tnLst>
-      <p:par>
-        <p:cTn id="1" dur="indefinite" restart="never" nodeType="tmRoot"/>
-      </p:par>
-    </p:tnLst>
-  </p:timing>
 </p:sld>
 </file>
 
@@ -4281,13 +4419,6 @@
   <p:clrMapOvr>
     <a:overrideClrMapping bg1="lt1" tx1="dk1" bg2="lt2" tx2="dk2" accent1="accent1" accent2="accent2" accent3="accent3" accent4="accent4" accent5="accent5" accent6="accent6" hlink="hlink" folHlink="folHlink"/>
   </p:clrMapOvr>
-  <p:timing>
-    <p:tnLst>
-      <p:par>
-        <p:cTn id="1" dur="indefinite" restart="never" nodeType="tmRoot"/>
-      </p:par>
-    </p:tnLst>
-  </p:timing>
 </p:sld>
 </file>
 
@@ -4622,10 +4753,9 @@
           <a:p>
             <a:pPr algn="ctr"/>
             <a:r>
-              <a:rPr lang="en-US" dirty="0" smtClean="0"/>
+              <a:rPr lang="en-US" dirty="0"/>
               <a:t> 	</a:t>
             </a:r>
-            <a:endParaRPr lang="en-US" dirty="0"/>
           </a:p>
         </p:txBody>
       </p:sp>
@@ -4770,10 +4900,9 @@
           <a:p>
             <a:pPr algn="ctr"/>
             <a:r>
-              <a:rPr lang="en-US" dirty="0" smtClean="0"/>
+              <a:rPr lang="en-US" dirty="0"/>
               <a:t> 	</a:t>
             </a:r>
-            <a:endParaRPr lang="en-US" dirty="0"/>
           </a:p>
         </p:txBody>
       </p:sp>
@@ -4822,10 +4951,9 @@
           <a:p>
             <a:pPr algn="ctr"/>
             <a:r>
-              <a:rPr lang="en-US" dirty="0" smtClean="0"/>
+              <a:rPr lang="en-US" dirty="0"/>
               <a:t> 	</a:t>
             </a:r>
-            <a:endParaRPr lang="en-US" dirty="0"/>
           </a:p>
         </p:txBody>
       </p:sp>
@@ -4852,10 +4980,9 @@
           <a:lstStyle/>
           <a:p>
             <a:r>
-              <a:rPr lang="en-US" dirty="0" smtClean="0"/>
+              <a:rPr lang="en-US" dirty="0"/>
               <a:t>How do I plan my actions. </a:t>
             </a:r>
-            <a:endParaRPr lang="en-US" dirty="0"/>
           </a:p>
         </p:txBody>
       </p:sp>
@@ -4927,10 +5054,9 @@
           <a:lstStyle/>
           <a:p>
             <a:r>
-              <a:rPr lang="en-US" dirty="0" smtClean="0"/>
+              <a:rPr lang="en-US" dirty="0"/>
               <a:t>I will draw it.</a:t>
             </a:r>
-            <a:endParaRPr lang="en-US" dirty="0"/>
           </a:p>
         </p:txBody>
       </p:sp>
@@ -4944,13 +5070,6 @@
   <p:clrMapOvr>
     <a:overrideClrMapping bg1="lt1" tx1="dk1" bg2="lt2" tx2="dk2" accent1="accent1" accent2="accent2" accent3="accent3" accent4="accent4" accent5="accent5" accent6="accent6" hlink="hlink" folHlink="folHlink"/>
   </p:clrMapOvr>
-  <p:timing>
-    <p:tnLst>
-      <p:par>
-        <p:cTn id="1" dur="indefinite" restart="never" nodeType="tmRoot"/>
-      </p:par>
-    </p:tnLst>
-  </p:timing>
 </p:sld>
 </file>
 
@@ -5066,13 +5185,6 @@
   <p:clrMapOvr>
     <a:overrideClrMapping bg1="lt1" tx1="dk1" bg2="lt2" tx2="dk2" accent1="accent1" accent2="accent2" accent3="accent3" accent4="accent4" accent5="accent5" accent6="accent6" hlink="hlink" folHlink="folHlink"/>
   </p:clrMapOvr>
-  <p:timing>
-    <p:tnLst>
-      <p:par>
-        <p:cTn id="1" dur="indefinite" restart="never" nodeType="tmRoot"/>
-      </p:par>
-    </p:tnLst>
-  </p:timing>
 </p:sld>
 </file>
 
@@ -5122,7 +5234,7 @@
           <a:lstStyle/>
           <a:p>
             <a:r>
-              <a:rPr lang="en-US" dirty="0" err="1" smtClean="0">
+              <a:rPr lang="en-US" dirty="0" err="1">
                 <a:solidFill>
                   <a:schemeClr val="bg1"/>
                 </a:solidFill>
@@ -5130,7 +5242,7 @@
               <a:t>Mindfusion</a:t>
             </a:r>
             <a:r>
-              <a:rPr lang="en-US" dirty="0" smtClean="0">
+              <a:rPr lang="en-US" dirty="0">
                 <a:solidFill>
                   <a:schemeClr val="bg1"/>
                 </a:solidFill>
@@ -5138,7 +5250,7 @@
               <a:t>: </a:t>
             </a:r>
             <a:r>
-              <a:rPr lang="en-US" dirty="0" smtClean="0">
+              <a:rPr lang="en-US" dirty="0">
                 <a:solidFill>
                   <a:schemeClr val="bg1"/>
                 </a:solidFill>
@@ -5146,7 +5258,7 @@
               </a:rPr>
               <a:t>https://www.mindfusion.eu/wpf-diagram.html</a:t>
             </a:r>
-            <a:endParaRPr lang="en-US" dirty="0" smtClean="0">
+            <a:endParaRPr lang="en-US" dirty="0">
               <a:solidFill>
                 <a:schemeClr val="bg1"/>
               </a:solidFill>
@@ -5305,13 +5417,6 @@
   <p:clrMapOvr>
     <a:overrideClrMapping bg1="lt1" tx1="dk1" bg2="lt2" tx2="dk2" accent1="accent1" accent2="accent2" accent3="accent3" accent4="accent4" accent5="accent5" accent6="accent6" hlink="hlink" folHlink="folHlink"/>
   </p:clrMapOvr>
-  <p:timing>
-    <p:tnLst>
-      <p:par>
-        <p:cTn id="1" dur="indefinite" restart="never" nodeType="tmRoot"/>
-      </p:par>
-    </p:tnLst>
-  </p:timing>
 </p:sld>
 </file>
 
@@ -5424,13 +5529,6 @@
   <p:clrMapOvr>
     <a:overrideClrMapping bg1="lt1" tx1="dk1" bg2="lt2" tx2="dk2" accent1="accent1" accent2="accent2" accent3="accent3" accent4="accent4" accent5="accent5" accent6="accent6" hlink="hlink" folHlink="folHlink"/>
   </p:clrMapOvr>
-  <p:timing>
-    <p:tnLst>
-      <p:par>
-        <p:cTn id="1" dur="indefinite" restart="never" nodeType="tmRoot"/>
-      </p:par>
-    </p:tnLst>
-  </p:timing>
 </p:sld>
 </file>
 
@@ -5498,23 +5596,8 @@
                 </a:solidFill>
                 <a:latin typeface="Book Antiqua" panose="02040602050305030304" pitchFamily="18" charset="0"/>
               </a:rPr>
-              <a:t>Our solution </a:t>
-            </a:r>
-            <a:r>
-              <a:rPr lang="en-US" altLang="en-US" sz="5400" dirty="0" smtClean="0">
-                <a:solidFill>
-                  <a:schemeClr val="bg1"/>
-                </a:solidFill>
-                <a:latin typeface="Book Antiqua" panose="02040602050305030304" pitchFamily="18" charset="0"/>
-              </a:rPr>
-              <a:t>Overview:</a:t>
-            </a:r>
-            <a:endParaRPr lang="en-US" altLang="en-US" sz="5400" dirty="0">
-              <a:solidFill>
-                <a:schemeClr val="bg1"/>
-              </a:solidFill>
-              <a:latin typeface="Book Antiqua" panose="02040602050305030304" pitchFamily="18" charset="0"/>
-            </a:endParaRPr>
+              <a:t>Our solution Overview:</a:t>
+            </a:r>
           </a:p>
         </p:txBody>
       </p:sp>
@@ -5722,13 +5805,6 @@
   <p:clrMapOvr>
     <a:overrideClrMapping bg1="lt1" tx1="dk1" bg2="lt2" tx2="dk2" accent1="accent1" accent2="accent2" accent3="accent3" accent4="accent4" accent5="accent5" accent6="accent6" hlink="hlink" folHlink="folHlink"/>
   </p:clrMapOvr>
-  <p:timing>
-    <p:tnLst>
-      <p:par>
-        <p:cTn id="1" dur="indefinite" restart="never" nodeType="tmRoot"/>
-      </p:par>
-    </p:tnLst>
-  </p:timing>
 </p:sld>
 </file>
 
@@ -5796,23 +5872,8 @@
                 </a:solidFill>
                 <a:latin typeface="Book Antiqua" panose="02040602050305030304" pitchFamily="18" charset="0"/>
               </a:rPr>
-              <a:t>Challenges and </a:t>
-            </a:r>
-            <a:r>
-              <a:rPr lang="en-US" altLang="en-US" sz="5400" dirty="0" smtClean="0">
-                <a:solidFill>
-                  <a:schemeClr val="bg1"/>
-                </a:solidFill>
-                <a:latin typeface="Book Antiqua" panose="02040602050305030304" pitchFamily="18" charset="0"/>
-              </a:rPr>
-              <a:t>solution: Design </a:t>
-            </a:r>
-            <a:endParaRPr lang="en-US" altLang="en-US" sz="5400" dirty="0">
-              <a:solidFill>
-                <a:schemeClr val="bg1"/>
-              </a:solidFill>
-              <a:latin typeface="Book Antiqua" panose="02040602050305030304" pitchFamily="18" charset="0"/>
-            </a:endParaRPr>
+              <a:t>Challenges and solution: Design </a:t>
+            </a:r>
           </a:p>
         </p:txBody>
       </p:sp>
@@ -5959,18 +6020,13 @@
           <a:lstStyle/>
           <a:p>
             <a:r>
-              <a:rPr lang="en-US" dirty="0" smtClean="0">
+              <a:rPr lang="en-US" dirty="0">
                 <a:solidFill>
                   <a:schemeClr val="bg1"/>
                 </a:solidFill>
               </a:rPr>
               <a:t>Toolbar in the main XAML:</a:t>
             </a:r>
-            <a:endParaRPr lang="en-US" dirty="0">
-              <a:solidFill>
-                <a:schemeClr val="bg1"/>
-              </a:solidFill>
-            </a:endParaRPr>
           </a:p>
         </p:txBody>
       </p:sp>
@@ -5997,18 +6053,13 @@
           <a:lstStyle/>
           <a:p>
             <a:r>
-              <a:rPr lang="en-US" dirty="0" smtClean="0">
+              <a:rPr lang="en-US" dirty="0">
                 <a:solidFill>
                   <a:schemeClr val="bg1"/>
                 </a:solidFill>
               </a:rPr>
               <a:t>Toolbar style reference:</a:t>
             </a:r>
-            <a:endParaRPr lang="en-US" dirty="0">
-              <a:solidFill>
-                <a:schemeClr val="bg1"/>
-              </a:solidFill>
-            </a:endParaRPr>
           </a:p>
         </p:txBody>
       </p:sp>
@@ -6035,18 +6086,13 @@
           <a:lstStyle/>
           <a:p>
             <a:r>
-              <a:rPr lang="en-US" dirty="0" smtClean="0">
+              <a:rPr lang="en-US" dirty="0">
                 <a:solidFill>
                   <a:schemeClr val="bg1"/>
                 </a:solidFill>
               </a:rPr>
               <a:t>Additional shared  style reference:</a:t>
             </a:r>
-            <a:endParaRPr lang="en-US" dirty="0">
-              <a:solidFill>
-                <a:schemeClr val="bg1"/>
-              </a:solidFill>
-            </a:endParaRPr>
           </a:p>
         </p:txBody>
       </p:sp>
@@ -6060,13 +6106,6 @@
   <p:clrMapOvr>
     <a:overrideClrMapping bg1="lt1" tx1="dk1" bg2="lt2" tx2="dk2" accent1="accent1" accent2="accent2" accent3="accent3" accent4="accent4" accent5="accent5" accent6="accent6" hlink="hlink" folHlink="folHlink"/>
   </p:clrMapOvr>
-  <p:timing>
-    <p:tnLst>
-      <p:par>
-        <p:cTn id="1" dur="indefinite" restart="never" nodeType="tmRoot"/>
-      </p:par>
-    </p:tnLst>
-  </p:timing>
 </p:sld>
 </file>
 
@@ -6134,23 +6173,8 @@
                 </a:solidFill>
                 <a:latin typeface="Book Antiqua" panose="02040602050305030304" pitchFamily="18" charset="0"/>
               </a:rPr>
-              <a:t>Challenges and </a:t>
-            </a:r>
-            <a:r>
-              <a:rPr lang="en-US" altLang="en-US" sz="5400" dirty="0" smtClean="0">
-                <a:solidFill>
-                  <a:schemeClr val="bg1"/>
-                </a:solidFill>
-                <a:latin typeface="Book Antiqua" panose="02040602050305030304" pitchFamily="18" charset="0"/>
-              </a:rPr>
-              <a:t>solution: Commands </a:t>
-            </a:r>
-            <a:endParaRPr lang="en-US" altLang="en-US" sz="5400" dirty="0">
-              <a:solidFill>
-                <a:schemeClr val="bg1"/>
-              </a:solidFill>
-              <a:latin typeface="Book Antiqua" panose="02040602050305030304" pitchFamily="18" charset="0"/>
-            </a:endParaRPr>
+              <a:t>Challenges and solution: Commands </a:t>
+            </a:r>
           </a:p>
         </p:txBody>
       </p:sp>
@@ -6273,18 +6297,13 @@
           <a:lstStyle/>
           <a:p>
             <a:r>
-              <a:rPr lang="en-US" dirty="0" smtClean="0">
+              <a:rPr lang="en-US" dirty="0">
                 <a:solidFill>
                   <a:schemeClr val="bg1"/>
                 </a:solidFill>
               </a:rPr>
               <a:t>Commands:</a:t>
             </a:r>
-            <a:endParaRPr lang="en-US" dirty="0">
-              <a:solidFill>
-                <a:schemeClr val="bg1"/>
-              </a:solidFill>
-            </a:endParaRPr>
           </a:p>
         </p:txBody>
       </p:sp>
@@ -6366,11 +6385,6 @@
               </a:rPr>
               <a:t> static Commands()</a:t>
             </a:r>
-            <a:endParaRPr lang="en-US" dirty="0">
-              <a:solidFill>
-                <a:schemeClr val="bg1"/>
-              </a:solidFill>
-            </a:endParaRPr>
           </a:p>
         </p:txBody>
       </p:sp>
@@ -6384,13 +6398,6 @@
   <p:clrMapOvr>
     <a:overrideClrMapping bg1="lt1" tx1="dk1" bg2="lt2" tx2="dk2" accent1="accent1" accent2="accent2" accent3="accent3" accent4="accent4" accent5="accent5" accent6="accent6" hlink="hlink" folHlink="folHlink"/>
   </p:clrMapOvr>
-  <p:timing>
-    <p:tnLst>
-      <p:par>
-        <p:cTn id="1" dur="indefinite" restart="never" nodeType="tmRoot"/>
-      </p:par>
-    </p:tnLst>
-  </p:timing>
 </p:sld>
 </file>
 
@@ -6424,25 +6431,41 @@
           <a:chExt cx="0" cy="0"/>
         </a:xfrm>
       </p:grpSpPr>
-      <p:sp>
-        <p:nvSpPr>
-          <p:cNvPr id="3" name="Content Placeholder 2"/>
-          <p:cNvSpPr>
-            <a:spLocks noGrp="1"/>
-          </p:cNvSpPr>
+      <p:pic>
+        <p:nvPicPr>
+          <p:cNvPr id="5" name="Content Placeholder 4">
+            <a:extLst>
+              <a:ext uri="{FF2B5EF4-FFF2-40B4-BE49-F238E27FC236}">
+                <a16:creationId xmlns:a16="http://schemas.microsoft.com/office/drawing/2014/main" id="{1EA26467-5D5E-4224-9716-9D8193AAB4C5}"/>
+              </a:ext>
+            </a:extLst>
+          </p:cNvPr>
+          <p:cNvPicPr>
+            <a:picLocks noGrp="1" noChangeAspect="1"/>
+          </p:cNvPicPr>
           <p:nvPr>
             <p:ph idx="1"/>
           </p:nvPr>
-        </p:nvSpPr>
-        <p:spPr/>
-        <p:txBody>
-          <a:bodyPr/>
-          <a:lstStyle/>
-          <a:p>
-            <a:endParaRPr lang="en-US"/>
-          </a:p>
-        </p:txBody>
-      </p:sp>
+        </p:nvPicPr>
+        <p:blipFill>
+          <a:blip r:embed="rId3">
+            <a:extLst>
+              <a:ext uri="{28A0092B-C50C-407E-A947-70E740481C1C}">
+                <a14:useLocalDpi xmlns:a14="http://schemas.microsoft.com/office/drawing/2010/main" val="0"/>
+              </a:ext>
+            </a:extLst>
+          </a:blip>
+          <a:stretch>
+            <a:fillRect/>
+          </a:stretch>
+        </p:blipFill>
+        <p:spPr>
+          <a:xfrm>
+            <a:off x="941588" y="4097004"/>
+            <a:ext cx="1914792" cy="2629267"/>
+          </a:xfrm>
+        </p:spPr>
+      </p:pic>
       <p:sp>
         <p:nvSpPr>
           <p:cNvPr id="4" name="Rectangle 2"/>
@@ -6465,7 +6488,7 @@
         </p:spPr>
         <p:txBody>
           <a:bodyPr vert="horz" lIns="91440" tIns="45720" rIns="91440" bIns="45720" rtlCol="0" anchor="b">
-            <a:normAutofit/>
+            <a:normAutofit fontScale="90000"/>
           </a:bodyPr>
           <a:lstStyle/>
           <a:p>
@@ -6477,8 +6500,158 @@
                 </a:solidFill>
                 <a:latin typeface="Book Antiqua" panose="02040602050305030304" pitchFamily="18" charset="0"/>
               </a:rPr>
-              <a:t>Challenges and solution </a:t>
-            </a:r>
+              <a:t>Challenges and solution: Custom Nodes / Templates</a:t>
+            </a:r>
+          </a:p>
+        </p:txBody>
+      </p:sp>
+      <p:sp>
+        <p:nvSpPr>
+          <p:cNvPr id="6" name="Rectangle 5">
+            <a:extLst>
+              <a:ext uri="{FF2B5EF4-FFF2-40B4-BE49-F238E27FC236}">
+                <a16:creationId xmlns:a16="http://schemas.microsoft.com/office/drawing/2014/main" id="{68ED2672-5BB7-46FB-9BC8-BD285D936DB4}"/>
+              </a:ext>
+            </a:extLst>
+          </p:cNvPr>
+          <p:cNvSpPr/>
+          <p:nvPr/>
+        </p:nvSpPr>
+        <p:spPr>
+          <a:xfrm>
+            <a:off x="3056906" y="3989338"/>
+            <a:ext cx="5196757" cy="2736933"/>
+          </a:xfrm>
+          <a:prstGeom prst="rect">
+            <a:avLst/>
+          </a:prstGeom>
+        </p:spPr>
+        <p:style>
+          <a:lnRef idx="2">
+            <a:schemeClr val="accent1">
+              <a:shade val="50000"/>
+            </a:schemeClr>
+          </a:lnRef>
+          <a:fillRef idx="1">
+            <a:schemeClr val="accent1"/>
+          </a:fillRef>
+          <a:effectRef idx="0">
+            <a:schemeClr val="accent1"/>
+          </a:effectRef>
+          <a:fontRef idx="minor">
+            <a:schemeClr val="lt1"/>
+          </a:fontRef>
+        </p:style>
+        <p:txBody>
+          <a:bodyPr rtlCol="0" anchor="t"/>
+          <a:lstStyle/>
+          <a:p>
+            <a:endParaRPr lang="en-CA" dirty="0"/>
+          </a:p>
+          <a:p>
+            <a:r>
+              <a:rPr lang="en-CA" sz="2400" dirty="0"/>
+              <a:t>Every diagram type has it’s own custom nodes, and each node has a template to define data and style.</a:t>
+            </a:r>
+          </a:p>
+        </p:txBody>
+      </p:sp>
+      <p:pic>
+        <p:nvPicPr>
+          <p:cNvPr id="9" name="Picture 8">
+            <a:extLst>
+              <a:ext uri="{FF2B5EF4-FFF2-40B4-BE49-F238E27FC236}">
+                <a16:creationId xmlns:a16="http://schemas.microsoft.com/office/drawing/2014/main" id="{0E961F82-C5A4-4484-83D6-F677F35FA09F}"/>
+              </a:ext>
+            </a:extLst>
+          </p:cNvPr>
+          <p:cNvPicPr>
+            <a:picLocks noChangeAspect="1"/>
+          </p:cNvPicPr>
+          <p:nvPr/>
+        </p:nvPicPr>
+        <p:blipFill>
+          <a:blip r:embed="rId4">
+            <a:extLst>
+              <a:ext uri="{28A0092B-C50C-407E-A947-70E740481C1C}">
+                <a14:useLocalDpi xmlns:a14="http://schemas.microsoft.com/office/drawing/2010/main" val="0"/>
+              </a:ext>
+            </a:extLst>
+          </a:blip>
+          <a:stretch>
+            <a:fillRect/>
+          </a:stretch>
+        </p:blipFill>
+        <p:spPr>
+          <a:xfrm>
+            <a:off x="8357434" y="3989338"/>
+            <a:ext cx="3610479" cy="2695951"/>
+          </a:xfrm>
+          <a:prstGeom prst="rect">
+            <a:avLst/>
+          </a:prstGeom>
+        </p:spPr>
+      </p:pic>
+      <p:sp>
+        <p:nvSpPr>
+          <p:cNvPr id="10" name="Rectangle 9">
+            <a:extLst>
+              <a:ext uri="{FF2B5EF4-FFF2-40B4-BE49-F238E27FC236}">
+                <a16:creationId xmlns:a16="http://schemas.microsoft.com/office/drawing/2014/main" id="{13803BB7-BEB5-4B45-A8CB-31561B02EF86}"/>
+              </a:ext>
+            </a:extLst>
+          </p:cNvPr>
+          <p:cNvSpPr/>
+          <p:nvPr/>
+        </p:nvSpPr>
+        <p:spPr>
+          <a:xfrm>
+            <a:off x="505326" y="1840832"/>
+            <a:ext cx="11462587" cy="1997242"/>
+          </a:xfrm>
+          <a:prstGeom prst="rect">
+            <a:avLst/>
+          </a:prstGeom>
+        </p:spPr>
+        <p:style>
+          <a:lnRef idx="2">
+            <a:schemeClr val="accent1">
+              <a:shade val="50000"/>
+            </a:schemeClr>
+          </a:lnRef>
+          <a:fillRef idx="1">
+            <a:schemeClr val="accent1"/>
+          </a:fillRef>
+          <a:effectRef idx="0">
+            <a:schemeClr val="accent1"/>
+          </a:effectRef>
+          <a:fontRef idx="minor">
+            <a:schemeClr val="lt1"/>
+          </a:fontRef>
+        </p:style>
+        <p:txBody>
+          <a:bodyPr rtlCol="0" anchor="t"/>
+          <a:lstStyle/>
+          <a:p>
+            <a:r>
+              <a:rPr lang="en-CA" sz="2400" dirty="0"/>
+              <a:t>To begin with, only basic flowchart nodes were included in the library. All other diagram nodes had to be coded from scratch.</a:t>
+            </a:r>
+          </a:p>
+          <a:p>
+            <a:endParaRPr lang="en-CA" sz="2400" dirty="0"/>
+          </a:p>
+          <a:p>
+            <a:r>
+              <a:rPr lang="en-CA" sz="2400" dirty="0"/>
+              <a:t>Solution: Download a sample, figure out how it works, and make it work for our diagrams.</a:t>
+            </a:r>
+          </a:p>
+          <a:p>
+            <a:endParaRPr lang="en-CA" sz="2400" dirty="0"/>
+          </a:p>
+          <a:p>
+            <a:endParaRPr lang="en-CA" sz="2400" dirty="0"/>
           </a:p>
         </p:txBody>
       </p:sp>
@@ -6492,13 +6665,6 @@
   <p:clrMapOvr>
     <a:overrideClrMapping bg1="lt1" tx1="dk1" bg2="lt2" tx2="dk2" accent1="accent1" accent2="accent2" accent3="accent3" accent4="accent4" accent5="accent5" accent6="accent6" hlink="hlink" folHlink="folHlink"/>
   </p:clrMapOvr>
-  <p:timing>
-    <p:tnLst>
-      <p:par>
-        <p:cTn id="1" dur="indefinite" restart="never" nodeType="tmRoot"/>
-      </p:par>
-    </p:tnLst>
-  </p:timing>
 </p:sld>
 </file>
 

--- a/Presentation.pptx
+++ b/Presentation.pptx
@@ -16,12 +16,11 @@
     <p:sldId id="262" r:id="rId10"/>
     <p:sldId id="264" r:id="rId11"/>
     <p:sldId id="265" r:id="rId12"/>
-    <p:sldId id="266" r:id="rId13"/>
-    <p:sldId id="267" r:id="rId14"/>
-    <p:sldId id="268" r:id="rId15"/>
-    <p:sldId id="269" r:id="rId16"/>
-    <p:sldId id="270" r:id="rId17"/>
-    <p:sldId id="271" r:id="rId18"/>
+    <p:sldId id="267" r:id="rId13"/>
+    <p:sldId id="268" r:id="rId14"/>
+    <p:sldId id="269" r:id="rId15"/>
+    <p:sldId id="270" r:id="rId16"/>
+    <p:sldId id="271" r:id="rId17"/>
   </p:sldIdLst>
   <p:sldSz cx="12192000" cy="6858000"/>
   <p:notesSz cx="6858000" cy="9144000"/>
@@ -257,7 +256,7 @@
           <a:p>
             <a:fld id="{698B55E8-0A4E-4FAF-9ACD-29244A592DC6}" type="datetimeFigureOut">
               <a:rPr lang="en-US" smtClean="0"/>
-              <a:t>4/11/2018</a:t>
+              <a:t>11-Apr-18</a:t>
             </a:fld>
             <a:endParaRPr lang="en-US"/>
           </a:p>
@@ -425,7 +424,7 @@
           <a:p>
             <a:fld id="{698B55E8-0A4E-4FAF-9ACD-29244A592DC6}" type="datetimeFigureOut">
               <a:rPr lang="en-US" smtClean="0"/>
-              <a:t>4/11/2018</a:t>
+              <a:t>11-Apr-18</a:t>
             </a:fld>
             <a:endParaRPr lang="en-US"/>
           </a:p>
@@ -603,7 +602,7 @@
           <a:p>
             <a:fld id="{698B55E8-0A4E-4FAF-9ACD-29244A592DC6}" type="datetimeFigureOut">
               <a:rPr lang="en-US" smtClean="0"/>
-              <a:t>4/11/2018</a:t>
+              <a:t>11-Apr-18</a:t>
             </a:fld>
             <a:endParaRPr lang="en-US"/>
           </a:p>
@@ -831,7 +830,7 @@
           <a:p>
             <a:fld id="{698B55E8-0A4E-4FAF-9ACD-29244A592DC6}" type="datetimeFigureOut">
               <a:rPr lang="en-US" smtClean="0"/>
-              <a:t>4/11/2018</a:t>
+              <a:t>11-Apr-18</a:t>
             </a:fld>
             <a:endParaRPr lang="en-US"/>
           </a:p>
@@ -1076,7 +1075,7 @@
           <a:p>
             <a:fld id="{698B55E8-0A4E-4FAF-9ACD-29244A592DC6}" type="datetimeFigureOut">
               <a:rPr lang="en-US" smtClean="0"/>
-              <a:t>4/11/2018</a:t>
+              <a:t>11-Apr-18</a:t>
             </a:fld>
             <a:endParaRPr lang="en-US"/>
           </a:p>
@@ -1305,7 +1304,7 @@
           <a:p>
             <a:fld id="{698B55E8-0A4E-4FAF-9ACD-29244A592DC6}" type="datetimeFigureOut">
               <a:rPr lang="en-US" smtClean="0"/>
-              <a:t>4/11/2018</a:t>
+              <a:t>11-Apr-18</a:t>
             </a:fld>
             <a:endParaRPr lang="en-US"/>
           </a:p>
@@ -1669,7 +1668,7 @@
           <a:p>
             <a:fld id="{698B55E8-0A4E-4FAF-9ACD-29244A592DC6}" type="datetimeFigureOut">
               <a:rPr lang="en-US" smtClean="0"/>
-              <a:t>4/11/2018</a:t>
+              <a:t>11-Apr-18</a:t>
             </a:fld>
             <a:endParaRPr lang="en-US"/>
           </a:p>
@@ -1786,7 +1785,7 @@
           <a:p>
             <a:fld id="{698B55E8-0A4E-4FAF-9ACD-29244A592DC6}" type="datetimeFigureOut">
               <a:rPr lang="en-US" smtClean="0"/>
-              <a:t>4/11/2018</a:t>
+              <a:t>11-Apr-18</a:t>
             </a:fld>
             <a:endParaRPr lang="en-US"/>
           </a:p>
@@ -1881,7 +1880,7 @@
           <a:p>
             <a:fld id="{698B55E8-0A4E-4FAF-9ACD-29244A592DC6}" type="datetimeFigureOut">
               <a:rPr lang="en-US" smtClean="0"/>
-              <a:t>4/11/2018</a:t>
+              <a:t>11-Apr-18</a:t>
             </a:fld>
             <a:endParaRPr lang="en-US"/>
           </a:p>
@@ -2156,7 +2155,7 @@
           <a:p>
             <a:fld id="{698B55E8-0A4E-4FAF-9ACD-29244A592DC6}" type="datetimeFigureOut">
               <a:rPr lang="en-US" smtClean="0"/>
-              <a:t>4/11/2018</a:t>
+              <a:t>11-Apr-18</a:t>
             </a:fld>
             <a:endParaRPr lang="en-US"/>
           </a:p>
@@ -2408,7 +2407,7 @@
           <a:p>
             <a:fld id="{698B55E8-0A4E-4FAF-9ACD-29244A592DC6}" type="datetimeFigureOut">
               <a:rPr lang="en-US" smtClean="0"/>
-              <a:t>4/11/2018</a:t>
+              <a:t>11-Apr-18</a:t>
             </a:fld>
             <a:endParaRPr lang="en-US"/>
           </a:p>
@@ -2619,7 +2618,7 @@
           <a:p>
             <a:fld id="{698B55E8-0A4E-4FAF-9ACD-29244A592DC6}" type="datetimeFigureOut">
               <a:rPr lang="en-US" smtClean="0"/>
-              <a:t>4/11/2018</a:t>
+              <a:t>11-Apr-18</a:t>
             </a:fld>
             <a:endParaRPr lang="en-US"/>
           </a:p>
@@ -3366,18 +3365,26 @@
         </p:nvSpPr>
         <p:spPr>
           <a:xfrm>
-            <a:off x="1524000" y="4068569"/>
-            <a:ext cx="9144000" cy="1655762"/>
-          </a:xfrm>
-        </p:spPr>
-        <p:txBody>
-          <a:bodyPr>
-            <a:normAutofit fontScale="85000" lnSpcReduction="20000"/>
+            <a:off x="1523999" y="4068569"/>
+            <a:ext cx="10091917" cy="1655762"/>
+          </a:xfrm>
+          <a:effectLst>
+            <a:outerShdw blurRad="50800" dist="38100" dir="2700000" algn="tl" rotWithShape="0">
+              <a:prstClr val="black">
+                <a:alpha val="40000"/>
+              </a:prstClr>
+            </a:outerShdw>
+          </a:effectLst>
+        </p:spPr>
+        <p:txBody>
+          <a:bodyPr vert="horz" lIns="91440" tIns="45720" rIns="91440" bIns="45720" rtlCol="0">
+            <a:normAutofit fontScale="70000" lnSpcReduction="20000"/>
           </a:bodyPr>
           <a:lstStyle/>
           <a:p>
-            <a:r>
-              <a:rPr lang="en-US" dirty="0">
+            <a:pPr algn="l"/>
+            <a:r>
+              <a:rPr lang="en-US" sz="2800" dirty="0">
                 <a:solidFill>
                   <a:schemeClr val="bg1"/>
                 </a:solidFill>
@@ -3386,8 +3393,10 @@
             </a:r>
           </a:p>
           <a:p>
-            <a:pPr algn="l"/>
-            <a:endParaRPr lang="en-US" dirty="0">
+            <a:pPr marL="228600" indent="-228600" algn="l">
+              <a:buChar char="•"/>
+            </a:pPr>
+            <a:endParaRPr lang="en-US" sz="2800" dirty="0">
               <a:solidFill>
                 <a:schemeClr val="bg1"/>
               </a:solidFill>
@@ -3396,23 +3405,23 @@
           <a:p>
             <a:pPr algn="l"/>
             <a:r>
-              <a:rPr lang="en-US" dirty="0">
+              <a:rPr lang="en-US" sz="2800" dirty="0">
                 <a:solidFill>
                   <a:schemeClr val="bg1"/>
                 </a:solidFill>
               </a:rPr>
-              <a:t>									Chris </a:t>
+              <a:t>										Chris </a:t>
             </a:r>
           </a:p>
           <a:p>
             <a:pPr algn="l"/>
             <a:r>
-              <a:rPr lang="en-US" dirty="0">
+              <a:rPr lang="en-US" sz="2800" dirty="0">
                 <a:solidFill>
                   <a:schemeClr val="bg1"/>
                 </a:solidFill>
               </a:rPr>
-              <a:t>									Larisa				</a:t>
+              <a:t>										Larisa				</a:t>
             </a:r>
           </a:p>
         </p:txBody>
@@ -3465,11 +3474,18 @@
         <p:spPr>
           <a:xfrm>
             <a:off x="9160245" y="5884897"/>
-            <a:ext cx="2455672" cy="369332"/>
+            <a:ext cx="2292359" cy="369332"/>
           </a:xfrm>
           <a:prstGeom prst="rect">
             <a:avLst/>
           </a:prstGeom>
+          <a:effectLst>
+            <a:outerShdw blurRad="76200" dir="13500000" sy="23000" kx="1200000" algn="br" rotWithShape="0">
+              <a:prstClr val="black">
+                <a:alpha val="20000"/>
+              </a:prstClr>
+            </a:outerShdw>
+          </a:effectLst>
         </p:spPr>
         <p:txBody>
           <a:bodyPr wrap="none">
@@ -3483,7 +3499,7 @@
                   <a:schemeClr val="bg1"/>
                 </a:solidFill>
               </a:rPr>
-              <a:t>JAC, ipd-12, March 2018</a:t>
+              <a:t>JAC, ipd-12, April 2018</a:t>
             </a:r>
           </a:p>
         </p:txBody>
@@ -3746,25 +3762,6 @@
       </p:grpSpPr>
       <p:sp>
         <p:nvSpPr>
-          <p:cNvPr id="3" name="Content Placeholder 2"/>
-          <p:cNvSpPr>
-            <a:spLocks noGrp="1"/>
-          </p:cNvSpPr>
-          <p:nvPr>
-            <p:ph idx="1"/>
-          </p:nvPr>
-        </p:nvSpPr>
-        <p:spPr/>
-        <p:txBody>
-          <a:bodyPr/>
-          <a:lstStyle/>
-          <a:p>
-            <a:endParaRPr lang="en-US"/>
-          </a:p>
-        </p:txBody>
-      </p:sp>
-      <p:sp>
-        <p:nvSpPr>
           <p:cNvPr id="4" name="Rectangle 2"/>
           <p:cNvSpPr>
             <a:spLocks noGrp="1" noChangeArrowheads="1"/>
@@ -3797,15 +3794,520 @@
                 </a:solidFill>
                 <a:latin typeface="Book Antiqua" panose="02040602050305030304" pitchFamily="18" charset="0"/>
               </a:rPr>
-              <a:t>Challenges and solution </a:t>
-            </a:r>
+              <a:t>What we’ve learned </a:t>
+            </a:r>
+          </a:p>
+        </p:txBody>
+      </p:sp>
+      <p:sp>
+        <p:nvSpPr>
+          <p:cNvPr id="2" name="Thought Bubble: Cloud 1">
+            <a:extLst>
+              <a:ext uri="{FF2B5EF4-FFF2-40B4-BE49-F238E27FC236}">
+                <a16:creationId xmlns:a16="http://schemas.microsoft.com/office/drawing/2014/main" id="{994F12E4-EEBD-436B-AF80-A2A5477E4F61}"/>
+              </a:ext>
+            </a:extLst>
+          </p:cNvPr>
+          <p:cNvSpPr/>
+          <p:nvPr/>
+        </p:nvSpPr>
+        <p:spPr>
+          <a:xfrm>
+            <a:off x="2501900" y="1523999"/>
+            <a:ext cx="8982529" cy="5219701"/>
+          </a:xfrm>
+          <a:prstGeom prst="cloudCallout">
+            <a:avLst>
+              <a:gd name="adj1" fmla="val -61310"/>
+              <a:gd name="adj2" fmla="val -41525"/>
+            </a:avLst>
+          </a:prstGeom>
+          <a:solidFill>
+            <a:srgbClr val="98F2FE"/>
+          </a:solidFill>
+        </p:spPr>
+        <p:style>
+          <a:lnRef idx="2">
+            <a:schemeClr val="accent1">
+              <a:shade val="50000"/>
+            </a:schemeClr>
+          </a:lnRef>
+          <a:fillRef idx="1">
+            <a:schemeClr val="accent1"/>
+          </a:fillRef>
+          <a:effectRef idx="0">
+            <a:schemeClr val="accent1"/>
+          </a:effectRef>
+          <a:fontRef idx="minor">
+            <a:schemeClr val="lt1"/>
+          </a:fontRef>
+        </p:style>
+        <p:txBody>
+          <a:bodyPr rtlCol="0" anchor="ctr"/>
+          <a:lstStyle/>
+          <a:p>
+            <a:pPr algn="ctr"/>
+            <a:endParaRPr lang="en-US"/>
+          </a:p>
+        </p:txBody>
+      </p:sp>
+      <p:sp>
+        <p:nvSpPr>
+          <p:cNvPr id="19" name="Oval 18">
+            <a:extLst>
+              <a:ext uri="{FF2B5EF4-FFF2-40B4-BE49-F238E27FC236}">
+                <a16:creationId xmlns:a16="http://schemas.microsoft.com/office/drawing/2014/main" id="{481FBAC4-A440-4A55-BA71-4D354D5E9DCA}"/>
+              </a:ext>
+            </a:extLst>
+          </p:cNvPr>
+          <p:cNvSpPr/>
+          <p:nvPr/>
+        </p:nvSpPr>
+        <p:spPr>
+          <a:xfrm>
+            <a:off x="760051" y="1917700"/>
+            <a:ext cx="485192" cy="489857"/>
+          </a:xfrm>
+          <a:prstGeom prst="ellipse">
+            <a:avLst/>
+          </a:prstGeom>
+          <a:solidFill>
+            <a:schemeClr val="bg1"/>
+          </a:solidFill>
+          <a:ln>
+            <a:solidFill>
+              <a:schemeClr val="bg1"/>
+            </a:solidFill>
+          </a:ln>
+        </p:spPr>
+        <p:style>
+          <a:lnRef idx="2">
+            <a:schemeClr val="accent1">
+              <a:shade val="50000"/>
+            </a:schemeClr>
+          </a:lnRef>
+          <a:fillRef idx="1">
+            <a:schemeClr val="accent1"/>
+          </a:fillRef>
+          <a:effectRef idx="0">
+            <a:schemeClr val="accent1"/>
+          </a:effectRef>
+          <a:fontRef idx="minor">
+            <a:schemeClr val="lt1"/>
+          </a:fontRef>
+        </p:style>
+        <p:txBody>
+          <a:bodyPr rtlCol="0" anchor="ctr"/>
+          <a:lstStyle/>
+          <a:p>
+            <a:pPr algn="ctr"/>
+            <a:endParaRPr lang="en-US"/>
+          </a:p>
+        </p:txBody>
+      </p:sp>
+      <p:sp>
+        <p:nvSpPr>
+          <p:cNvPr id="20" name="Round Same Side Corner Rectangle 11">
+            <a:extLst>
+              <a:ext uri="{FF2B5EF4-FFF2-40B4-BE49-F238E27FC236}">
+                <a16:creationId xmlns:a16="http://schemas.microsoft.com/office/drawing/2014/main" id="{0C379C20-E35F-40E6-A9CB-A1CACF5E4C10}"/>
+              </a:ext>
+            </a:extLst>
+          </p:cNvPr>
+          <p:cNvSpPr/>
+          <p:nvPr/>
+        </p:nvSpPr>
+        <p:spPr>
+          <a:xfrm>
+            <a:off x="573439" y="2407557"/>
+            <a:ext cx="858417" cy="289248"/>
+          </a:xfrm>
+          <a:prstGeom prst="round2SameRect">
+            <a:avLst/>
+          </a:prstGeom>
+          <a:solidFill>
+            <a:schemeClr val="bg1"/>
+          </a:solidFill>
+          <a:ln>
+            <a:solidFill>
+              <a:schemeClr val="bg1"/>
+            </a:solidFill>
+          </a:ln>
+        </p:spPr>
+        <p:style>
+          <a:lnRef idx="2">
+            <a:schemeClr val="accent1">
+              <a:shade val="50000"/>
+            </a:schemeClr>
+          </a:lnRef>
+          <a:fillRef idx="1">
+            <a:schemeClr val="accent1"/>
+          </a:fillRef>
+          <a:effectRef idx="0">
+            <a:schemeClr val="accent1"/>
+          </a:effectRef>
+          <a:fontRef idx="minor">
+            <a:schemeClr val="lt1"/>
+          </a:fontRef>
+        </p:style>
+        <p:txBody>
+          <a:bodyPr rtlCol="0" anchor="ctr"/>
+          <a:lstStyle/>
+          <a:p>
+            <a:pPr algn="ctr"/>
+            <a:endParaRPr lang="en-US"/>
+          </a:p>
+        </p:txBody>
+      </p:sp>
+      <p:sp>
+        <p:nvSpPr>
+          <p:cNvPr id="21" name="Rounded Rectangle 12">
+            <a:extLst>
+              <a:ext uri="{FF2B5EF4-FFF2-40B4-BE49-F238E27FC236}">
+                <a16:creationId xmlns:a16="http://schemas.microsoft.com/office/drawing/2014/main" id="{AC7F47B9-F9DF-4F52-B63A-5DF553756E8D}"/>
+              </a:ext>
+            </a:extLst>
+          </p:cNvPr>
+          <p:cNvSpPr/>
+          <p:nvPr/>
+        </p:nvSpPr>
+        <p:spPr>
+          <a:xfrm>
+            <a:off x="442810" y="2407557"/>
+            <a:ext cx="223935" cy="933061"/>
+          </a:xfrm>
+          <a:prstGeom prst="roundRect">
+            <a:avLst/>
+          </a:prstGeom>
+          <a:solidFill>
+            <a:schemeClr val="bg1"/>
+          </a:solidFill>
+          <a:ln>
+            <a:solidFill>
+              <a:schemeClr val="bg1"/>
+            </a:solidFill>
+          </a:ln>
+        </p:spPr>
+        <p:style>
+          <a:lnRef idx="2">
+            <a:schemeClr val="accent1">
+              <a:shade val="50000"/>
+            </a:schemeClr>
+          </a:lnRef>
+          <a:fillRef idx="1">
+            <a:schemeClr val="accent1"/>
+          </a:fillRef>
+          <a:effectRef idx="0">
+            <a:schemeClr val="accent1"/>
+          </a:effectRef>
+          <a:fontRef idx="minor">
+            <a:schemeClr val="lt1"/>
+          </a:fontRef>
+        </p:style>
+        <p:txBody>
+          <a:bodyPr rtlCol="0" anchor="ctr"/>
+          <a:lstStyle/>
+          <a:p>
+            <a:pPr algn="ctr"/>
+            <a:r>
+              <a:rPr lang="en-US" dirty="0"/>
+              <a:t> 	</a:t>
+            </a:r>
+          </a:p>
+        </p:txBody>
+      </p:sp>
+      <p:sp>
+        <p:nvSpPr>
+          <p:cNvPr id="22" name="Rounded Rectangle 13">
+            <a:extLst>
+              <a:ext uri="{FF2B5EF4-FFF2-40B4-BE49-F238E27FC236}">
+                <a16:creationId xmlns:a16="http://schemas.microsoft.com/office/drawing/2014/main" id="{F9285303-30D1-4413-B6A2-E39098C1AC90}"/>
+              </a:ext>
+            </a:extLst>
+          </p:cNvPr>
+          <p:cNvSpPr/>
+          <p:nvPr/>
+        </p:nvSpPr>
+        <p:spPr>
+          <a:xfrm>
+            <a:off x="1361289" y="2407557"/>
+            <a:ext cx="223935" cy="933061"/>
+          </a:xfrm>
+          <a:prstGeom prst="roundRect">
+            <a:avLst/>
+          </a:prstGeom>
+          <a:solidFill>
+            <a:schemeClr val="bg1"/>
+          </a:solidFill>
+          <a:ln>
+            <a:solidFill>
+              <a:schemeClr val="bg1"/>
+            </a:solidFill>
+          </a:ln>
+        </p:spPr>
+        <p:style>
+          <a:lnRef idx="2">
+            <a:schemeClr val="accent1">
+              <a:shade val="50000"/>
+            </a:schemeClr>
+          </a:lnRef>
+          <a:fillRef idx="1">
+            <a:schemeClr val="accent1"/>
+          </a:fillRef>
+          <a:effectRef idx="0">
+            <a:schemeClr val="accent1"/>
+          </a:effectRef>
+          <a:fontRef idx="minor">
+            <a:schemeClr val="lt1"/>
+          </a:fontRef>
+        </p:style>
+        <p:txBody>
+          <a:bodyPr rtlCol="0" anchor="ctr"/>
+          <a:lstStyle/>
+          <a:p>
+            <a:pPr algn="ctr"/>
+            <a:endParaRPr lang="en-US"/>
+          </a:p>
+        </p:txBody>
+      </p:sp>
+      <p:sp>
+        <p:nvSpPr>
+          <p:cNvPr id="23" name="Rectangle 22">
+            <a:extLst>
+              <a:ext uri="{FF2B5EF4-FFF2-40B4-BE49-F238E27FC236}">
+                <a16:creationId xmlns:a16="http://schemas.microsoft.com/office/drawing/2014/main" id="{A83A6EF0-98A0-4687-A3C9-A05B8FDF9495}"/>
+              </a:ext>
+            </a:extLst>
+          </p:cNvPr>
+          <p:cNvSpPr/>
+          <p:nvPr/>
+        </p:nvSpPr>
+        <p:spPr>
+          <a:xfrm>
+            <a:off x="708146" y="2696803"/>
+            <a:ext cx="612326" cy="914400"/>
+          </a:xfrm>
+          <a:prstGeom prst="rect">
+            <a:avLst/>
+          </a:prstGeom>
+          <a:solidFill>
+            <a:schemeClr val="bg1"/>
+          </a:solidFill>
+          <a:ln>
+            <a:solidFill>
+              <a:schemeClr val="bg1"/>
+            </a:solidFill>
+          </a:ln>
+        </p:spPr>
+        <p:style>
+          <a:lnRef idx="2">
+            <a:schemeClr val="accent1">
+              <a:shade val="50000"/>
+            </a:schemeClr>
+          </a:lnRef>
+          <a:fillRef idx="1">
+            <a:schemeClr val="accent1"/>
+          </a:fillRef>
+          <a:effectRef idx="0">
+            <a:schemeClr val="accent1"/>
+          </a:effectRef>
+          <a:fontRef idx="minor">
+            <a:schemeClr val="lt1"/>
+          </a:fontRef>
+        </p:style>
+        <p:txBody>
+          <a:bodyPr rtlCol="0" anchor="ctr"/>
+          <a:lstStyle/>
+          <a:p>
+            <a:pPr algn="ctr"/>
+            <a:endParaRPr lang="en-US"/>
+          </a:p>
+        </p:txBody>
+      </p:sp>
+      <p:sp>
+        <p:nvSpPr>
+          <p:cNvPr id="24" name="Rounded Rectangle 16">
+            <a:extLst>
+              <a:ext uri="{FF2B5EF4-FFF2-40B4-BE49-F238E27FC236}">
+                <a16:creationId xmlns:a16="http://schemas.microsoft.com/office/drawing/2014/main" id="{28ED3AF0-0E4B-4C87-81BB-F291E3F3B0F8}"/>
+              </a:ext>
+            </a:extLst>
+          </p:cNvPr>
+          <p:cNvSpPr/>
+          <p:nvPr/>
+        </p:nvSpPr>
+        <p:spPr>
+          <a:xfrm>
+            <a:off x="708146" y="3557860"/>
+            <a:ext cx="254845" cy="1101020"/>
+          </a:xfrm>
+          <a:prstGeom prst="roundRect">
+            <a:avLst/>
+          </a:prstGeom>
+          <a:solidFill>
+            <a:schemeClr val="bg1"/>
+          </a:solidFill>
+          <a:ln>
+            <a:solidFill>
+              <a:schemeClr val="bg1"/>
+            </a:solidFill>
+          </a:ln>
+        </p:spPr>
+        <p:style>
+          <a:lnRef idx="2">
+            <a:schemeClr val="accent1">
+              <a:shade val="50000"/>
+            </a:schemeClr>
+          </a:lnRef>
+          <a:fillRef idx="1">
+            <a:schemeClr val="accent1"/>
+          </a:fillRef>
+          <a:effectRef idx="0">
+            <a:schemeClr val="accent1"/>
+          </a:effectRef>
+          <a:fontRef idx="minor">
+            <a:schemeClr val="lt1"/>
+          </a:fontRef>
+        </p:style>
+        <p:txBody>
+          <a:bodyPr rtlCol="0" anchor="ctr"/>
+          <a:lstStyle/>
+          <a:p>
+            <a:pPr algn="ctr"/>
+            <a:r>
+              <a:rPr lang="en-US" dirty="0"/>
+              <a:t> 	</a:t>
+            </a:r>
+          </a:p>
+        </p:txBody>
+      </p:sp>
+      <p:sp>
+        <p:nvSpPr>
+          <p:cNvPr id="25" name="Rounded Rectangle 17">
+            <a:extLst>
+              <a:ext uri="{FF2B5EF4-FFF2-40B4-BE49-F238E27FC236}">
+                <a16:creationId xmlns:a16="http://schemas.microsoft.com/office/drawing/2014/main" id="{88B88662-76CA-4163-A04A-32963699CA59}"/>
+              </a:ext>
+            </a:extLst>
+          </p:cNvPr>
+          <p:cNvSpPr/>
+          <p:nvPr/>
+        </p:nvSpPr>
+        <p:spPr>
+          <a:xfrm>
+            <a:off x="1063292" y="3557860"/>
+            <a:ext cx="257180" cy="1107705"/>
+          </a:xfrm>
+          <a:prstGeom prst="roundRect">
+            <a:avLst/>
+          </a:prstGeom>
+          <a:solidFill>
+            <a:schemeClr val="bg1"/>
+          </a:solidFill>
+          <a:ln>
+            <a:solidFill>
+              <a:schemeClr val="bg1"/>
+            </a:solidFill>
+          </a:ln>
+        </p:spPr>
+        <p:style>
+          <a:lnRef idx="2">
+            <a:schemeClr val="accent1">
+              <a:shade val="50000"/>
+            </a:schemeClr>
+          </a:lnRef>
+          <a:fillRef idx="1">
+            <a:schemeClr val="accent1"/>
+          </a:fillRef>
+          <a:effectRef idx="0">
+            <a:schemeClr val="accent1"/>
+          </a:effectRef>
+          <a:fontRef idx="minor">
+            <a:schemeClr val="lt1"/>
+          </a:fontRef>
+        </p:style>
+        <p:txBody>
+          <a:bodyPr rtlCol="0" anchor="ctr"/>
+          <a:lstStyle/>
+          <a:p>
+            <a:pPr algn="ctr"/>
+            <a:r>
+              <a:rPr lang="en-US" dirty="0"/>
+              <a:t> 	</a:t>
+            </a:r>
+          </a:p>
+        </p:txBody>
+      </p:sp>
+      <p:sp>
+        <p:nvSpPr>
+          <p:cNvPr id="3" name="Content Placeholder 2"/>
+          <p:cNvSpPr>
+            <a:spLocks noGrp="1"/>
+          </p:cNvSpPr>
+          <p:nvPr>
+            <p:ph idx="1"/>
+          </p:nvPr>
+        </p:nvSpPr>
+        <p:spPr>
+          <a:xfrm>
+            <a:off x="3521853" y="2777622"/>
+            <a:ext cx="7424904" cy="3215530"/>
+          </a:xfrm>
+        </p:spPr>
+        <p:txBody>
+          <a:bodyPr/>
+          <a:lstStyle/>
+          <a:p>
+            <a:r>
+              <a:rPr lang="en-US" dirty="0">
+                <a:solidFill>
+                  <a:schemeClr val="bg1">
+                    <a:lumMod val="50000"/>
+                  </a:schemeClr>
+                </a:solidFill>
+              </a:rPr>
+              <a:t>How to use and understand (more or less) official documentation for libraries.</a:t>
+            </a:r>
+          </a:p>
+          <a:p>
+            <a:r>
+              <a:rPr lang="en-US" dirty="0">
+                <a:solidFill>
+                  <a:schemeClr val="bg1">
+                    <a:lumMod val="50000"/>
+                  </a:schemeClr>
+                </a:solidFill>
+              </a:rPr>
+              <a:t>Trial and error, as well as debugging skills. Less reliance on specific examples</a:t>
+            </a:r>
+          </a:p>
+          <a:p>
+            <a:r>
+              <a:rPr lang="en-US" dirty="0">
+                <a:solidFill>
+                  <a:schemeClr val="bg1">
+                    <a:lumMod val="50000"/>
+                  </a:schemeClr>
+                </a:solidFill>
+              </a:rPr>
+              <a:t>Some more knowledge of events and event handlers.</a:t>
+            </a:r>
+          </a:p>
+          <a:p>
+            <a:endParaRPr lang="en-US" dirty="0">
+              <a:solidFill>
+                <a:schemeClr val="bg1">
+                  <a:lumMod val="50000"/>
+                </a:schemeClr>
+              </a:solidFill>
+            </a:endParaRPr>
           </a:p>
         </p:txBody>
       </p:sp>
     </p:spTree>
     <p:extLst>
       <p:ext uri="{BB962C8B-B14F-4D97-AF65-F5344CB8AC3E}">
-        <p14:creationId xmlns:p14="http://schemas.microsoft.com/office/powerpoint/2010/main" val="2402999524"/>
+        <p14:creationId xmlns:p14="http://schemas.microsoft.com/office/powerpoint/2010/main" val="1976783457"/>
       </p:ext>
     </p:extLst>
   </p:cSld>
@@ -3847,59 +4349,6 @@
       </p:grpSpPr>
       <p:sp>
         <p:nvSpPr>
-          <p:cNvPr id="3" name="Content Placeholder 2"/>
-          <p:cNvSpPr>
-            <a:spLocks noGrp="1"/>
-          </p:cNvSpPr>
-          <p:nvPr>
-            <p:ph idx="1"/>
-          </p:nvPr>
-        </p:nvSpPr>
-        <p:spPr/>
-        <p:txBody>
-          <a:bodyPr/>
-          <a:lstStyle/>
-          <a:p>
-            <a:r>
-              <a:rPr lang="en-US" dirty="0">
-                <a:solidFill>
-                  <a:schemeClr val="bg1"/>
-                </a:solidFill>
-              </a:rPr>
-              <a:t>Learned how to use and understand (more or less) official documentation for libraries.</a:t>
-            </a:r>
-          </a:p>
-          <a:p>
-            <a:r>
-              <a:rPr lang="en-US" dirty="0">
-                <a:solidFill>
-                  <a:schemeClr val="bg1"/>
-                </a:solidFill>
-              </a:rPr>
-              <a:t>Trial and error, as well as debugging skills. Less reliance on specific examples</a:t>
-            </a:r>
-          </a:p>
-          <a:p>
-            <a:r>
-              <a:rPr lang="en-US" dirty="0">
-                <a:solidFill>
-                  <a:schemeClr val="bg1"/>
-                </a:solidFill>
-              </a:rPr>
-              <a:t>Some more knowledge of events and event handlers.</a:t>
-            </a:r>
-          </a:p>
-          <a:p>
-            <a:endParaRPr lang="en-US" dirty="0">
-              <a:solidFill>
-                <a:schemeClr val="bg1"/>
-              </a:solidFill>
-            </a:endParaRPr>
-          </a:p>
-        </p:txBody>
-      </p:sp>
-      <p:sp>
-        <p:nvSpPr>
           <p:cNvPr id="4" name="Rectangle 2"/>
           <p:cNvSpPr>
             <a:spLocks noGrp="1" noChangeArrowheads="1"/>
@@ -3932,15 +4381,508 @@
                 </a:solidFill>
                 <a:latin typeface="Book Antiqua" panose="02040602050305030304" pitchFamily="18" charset="0"/>
               </a:rPr>
-              <a:t>What we’ve learned </a:t>
-            </a:r>
+              <a:t>What we’ve learned  </a:t>
+            </a:r>
+          </a:p>
+        </p:txBody>
+      </p:sp>
+      <p:sp>
+        <p:nvSpPr>
+          <p:cNvPr id="5" name="Thought Bubble: Cloud 4">
+            <a:extLst>
+              <a:ext uri="{FF2B5EF4-FFF2-40B4-BE49-F238E27FC236}">
+                <a16:creationId xmlns:a16="http://schemas.microsoft.com/office/drawing/2014/main" id="{92B05ABC-1F8F-441D-A323-E1E58D8192C2}"/>
+              </a:ext>
+            </a:extLst>
+          </p:cNvPr>
+          <p:cNvSpPr/>
+          <p:nvPr/>
+        </p:nvSpPr>
+        <p:spPr>
+          <a:xfrm>
+            <a:off x="2501900" y="1523999"/>
+            <a:ext cx="8982529" cy="5219701"/>
+          </a:xfrm>
+          <a:prstGeom prst="cloudCallout">
+            <a:avLst>
+              <a:gd name="adj1" fmla="val -61310"/>
+              <a:gd name="adj2" fmla="val -41525"/>
+            </a:avLst>
+          </a:prstGeom>
+          <a:solidFill>
+            <a:srgbClr val="98F2FE"/>
+          </a:solidFill>
+        </p:spPr>
+        <p:style>
+          <a:lnRef idx="2">
+            <a:schemeClr val="accent1">
+              <a:shade val="50000"/>
+            </a:schemeClr>
+          </a:lnRef>
+          <a:fillRef idx="1">
+            <a:schemeClr val="accent1"/>
+          </a:fillRef>
+          <a:effectRef idx="0">
+            <a:schemeClr val="accent1"/>
+          </a:effectRef>
+          <a:fontRef idx="minor">
+            <a:schemeClr val="lt1"/>
+          </a:fontRef>
+        </p:style>
+        <p:txBody>
+          <a:bodyPr rtlCol="0" anchor="ctr"/>
+          <a:lstStyle/>
+          <a:p>
+            <a:pPr algn="ctr"/>
+            <a:endParaRPr lang="en-US"/>
+          </a:p>
+        </p:txBody>
+      </p:sp>
+      <p:sp>
+        <p:nvSpPr>
+          <p:cNvPr id="6" name="Oval 5">
+            <a:extLst>
+              <a:ext uri="{FF2B5EF4-FFF2-40B4-BE49-F238E27FC236}">
+                <a16:creationId xmlns:a16="http://schemas.microsoft.com/office/drawing/2014/main" id="{5AD99458-A652-4AB7-9F13-43395D3CF99A}"/>
+              </a:ext>
+            </a:extLst>
+          </p:cNvPr>
+          <p:cNvSpPr/>
+          <p:nvPr/>
+        </p:nvSpPr>
+        <p:spPr>
+          <a:xfrm>
+            <a:off x="760051" y="1917700"/>
+            <a:ext cx="485192" cy="489857"/>
+          </a:xfrm>
+          <a:prstGeom prst="ellipse">
+            <a:avLst/>
+          </a:prstGeom>
+          <a:solidFill>
+            <a:schemeClr val="bg1"/>
+          </a:solidFill>
+          <a:ln>
+            <a:solidFill>
+              <a:schemeClr val="bg1"/>
+            </a:solidFill>
+          </a:ln>
+        </p:spPr>
+        <p:style>
+          <a:lnRef idx="2">
+            <a:schemeClr val="accent1">
+              <a:shade val="50000"/>
+            </a:schemeClr>
+          </a:lnRef>
+          <a:fillRef idx="1">
+            <a:schemeClr val="accent1"/>
+          </a:fillRef>
+          <a:effectRef idx="0">
+            <a:schemeClr val="accent1"/>
+          </a:effectRef>
+          <a:fontRef idx="minor">
+            <a:schemeClr val="lt1"/>
+          </a:fontRef>
+        </p:style>
+        <p:txBody>
+          <a:bodyPr rtlCol="0" anchor="ctr"/>
+          <a:lstStyle/>
+          <a:p>
+            <a:pPr algn="ctr"/>
+            <a:endParaRPr lang="en-US"/>
+          </a:p>
+        </p:txBody>
+      </p:sp>
+      <p:sp>
+        <p:nvSpPr>
+          <p:cNvPr id="7" name="Round Same Side Corner Rectangle 11">
+            <a:extLst>
+              <a:ext uri="{FF2B5EF4-FFF2-40B4-BE49-F238E27FC236}">
+                <a16:creationId xmlns:a16="http://schemas.microsoft.com/office/drawing/2014/main" id="{48D323EA-D0DD-408C-A789-1B867A389CC7}"/>
+              </a:ext>
+            </a:extLst>
+          </p:cNvPr>
+          <p:cNvSpPr/>
+          <p:nvPr/>
+        </p:nvSpPr>
+        <p:spPr>
+          <a:xfrm>
+            <a:off x="573439" y="2407557"/>
+            <a:ext cx="858417" cy="289248"/>
+          </a:xfrm>
+          <a:prstGeom prst="round2SameRect">
+            <a:avLst/>
+          </a:prstGeom>
+          <a:solidFill>
+            <a:schemeClr val="bg1"/>
+          </a:solidFill>
+          <a:ln>
+            <a:solidFill>
+              <a:schemeClr val="bg1"/>
+            </a:solidFill>
+          </a:ln>
+        </p:spPr>
+        <p:style>
+          <a:lnRef idx="2">
+            <a:schemeClr val="accent1">
+              <a:shade val="50000"/>
+            </a:schemeClr>
+          </a:lnRef>
+          <a:fillRef idx="1">
+            <a:schemeClr val="accent1"/>
+          </a:fillRef>
+          <a:effectRef idx="0">
+            <a:schemeClr val="accent1"/>
+          </a:effectRef>
+          <a:fontRef idx="minor">
+            <a:schemeClr val="lt1"/>
+          </a:fontRef>
+        </p:style>
+        <p:txBody>
+          <a:bodyPr rtlCol="0" anchor="ctr"/>
+          <a:lstStyle/>
+          <a:p>
+            <a:pPr algn="ctr"/>
+            <a:endParaRPr lang="en-US"/>
+          </a:p>
+        </p:txBody>
+      </p:sp>
+      <p:sp>
+        <p:nvSpPr>
+          <p:cNvPr id="8" name="Rounded Rectangle 12">
+            <a:extLst>
+              <a:ext uri="{FF2B5EF4-FFF2-40B4-BE49-F238E27FC236}">
+                <a16:creationId xmlns:a16="http://schemas.microsoft.com/office/drawing/2014/main" id="{7BB30B03-C2FF-423A-AAA6-0601E1B649C2}"/>
+              </a:ext>
+            </a:extLst>
+          </p:cNvPr>
+          <p:cNvSpPr/>
+          <p:nvPr/>
+        </p:nvSpPr>
+        <p:spPr>
+          <a:xfrm>
+            <a:off x="442810" y="2407557"/>
+            <a:ext cx="223935" cy="933061"/>
+          </a:xfrm>
+          <a:prstGeom prst="roundRect">
+            <a:avLst/>
+          </a:prstGeom>
+          <a:solidFill>
+            <a:schemeClr val="bg1"/>
+          </a:solidFill>
+          <a:ln>
+            <a:solidFill>
+              <a:schemeClr val="bg1"/>
+            </a:solidFill>
+          </a:ln>
+        </p:spPr>
+        <p:style>
+          <a:lnRef idx="2">
+            <a:schemeClr val="accent1">
+              <a:shade val="50000"/>
+            </a:schemeClr>
+          </a:lnRef>
+          <a:fillRef idx="1">
+            <a:schemeClr val="accent1"/>
+          </a:fillRef>
+          <a:effectRef idx="0">
+            <a:schemeClr val="accent1"/>
+          </a:effectRef>
+          <a:fontRef idx="minor">
+            <a:schemeClr val="lt1"/>
+          </a:fontRef>
+        </p:style>
+        <p:txBody>
+          <a:bodyPr rtlCol="0" anchor="ctr"/>
+          <a:lstStyle/>
+          <a:p>
+            <a:pPr algn="ctr"/>
+            <a:r>
+              <a:rPr lang="en-US" dirty="0"/>
+              <a:t> 	</a:t>
+            </a:r>
+          </a:p>
+        </p:txBody>
+      </p:sp>
+      <p:sp>
+        <p:nvSpPr>
+          <p:cNvPr id="9" name="Rounded Rectangle 13">
+            <a:extLst>
+              <a:ext uri="{FF2B5EF4-FFF2-40B4-BE49-F238E27FC236}">
+                <a16:creationId xmlns:a16="http://schemas.microsoft.com/office/drawing/2014/main" id="{23502A23-CF18-4B4A-ABCA-F4B04D37C48D}"/>
+              </a:ext>
+            </a:extLst>
+          </p:cNvPr>
+          <p:cNvSpPr/>
+          <p:nvPr/>
+        </p:nvSpPr>
+        <p:spPr>
+          <a:xfrm>
+            <a:off x="1361289" y="2407557"/>
+            <a:ext cx="223935" cy="933061"/>
+          </a:xfrm>
+          <a:prstGeom prst="roundRect">
+            <a:avLst/>
+          </a:prstGeom>
+          <a:solidFill>
+            <a:schemeClr val="bg1"/>
+          </a:solidFill>
+          <a:ln>
+            <a:solidFill>
+              <a:schemeClr val="bg1"/>
+            </a:solidFill>
+          </a:ln>
+        </p:spPr>
+        <p:style>
+          <a:lnRef idx="2">
+            <a:schemeClr val="accent1">
+              <a:shade val="50000"/>
+            </a:schemeClr>
+          </a:lnRef>
+          <a:fillRef idx="1">
+            <a:schemeClr val="accent1"/>
+          </a:fillRef>
+          <a:effectRef idx="0">
+            <a:schemeClr val="accent1"/>
+          </a:effectRef>
+          <a:fontRef idx="minor">
+            <a:schemeClr val="lt1"/>
+          </a:fontRef>
+        </p:style>
+        <p:txBody>
+          <a:bodyPr rtlCol="0" anchor="ctr"/>
+          <a:lstStyle/>
+          <a:p>
+            <a:pPr algn="ctr"/>
+            <a:endParaRPr lang="en-US"/>
+          </a:p>
+        </p:txBody>
+      </p:sp>
+      <p:sp>
+        <p:nvSpPr>
+          <p:cNvPr id="10" name="Rectangle 9">
+            <a:extLst>
+              <a:ext uri="{FF2B5EF4-FFF2-40B4-BE49-F238E27FC236}">
+                <a16:creationId xmlns:a16="http://schemas.microsoft.com/office/drawing/2014/main" id="{DD5EB3D0-E098-40C3-9553-4F506A044D8B}"/>
+              </a:ext>
+            </a:extLst>
+          </p:cNvPr>
+          <p:cNvSpPr/>
+          <p:nvPr/>
+        </p:nvSpPr>
+        <p:spPr>
+          <a:xfrm>
+            <a:off x="708146" y="2696803"/>
+            <a:ext cx="612326" cy="914400"/>
+          </a:xfrm>
+          <a:prstGeom prst="rect">
+            <a:avLst/>
+          </a:prstGeom>
+          <a:solidFill>
+            <a:schemeClr val="bg1"/>
+          </a:solidFill>
+          <a:ln>
+            <a:solidFill>
+              <a:schemeClr val="bg1"/>
+            </a:solidFill>
+          </a:ln>
+        </p:spPr>
+        <p:style>
+          <a:lnRef idx="2">
+            <a:schemeClr val="accent1">
+              <a:shade val="50000"/>
+            </a:schemeClr>
+          </a:lnRef>
+          <a:fillRef idx="1">
+            <a:schemeClr val="accent1"/>
+          </a:fillRef>
+          <a:effectRef idx="0">
+            <a:schemeClr val="accent1"/>
+          </a:effectRef>
+          <a:fontRef idx="minor">
+            <a:schemeClr val="lt1"/>
+          </a:fontRef>
+        </p:style>
+        <p:txBody>
+          <a:bodyPr rtlCol="0" anchor="ctr"/>
+          <a:lstStyle/>
+          <a:p>
+            <a:pPr algn="ctr"/>
+            <a:endParaRPr lang="en-US"/>
+          </a:p>
+        </p:txBody>
+      </p:sp>
+      <p:sp>
+        <p:nvSpPr>
+          <p:cNvPr id="11" name="Rounded Rectangle 16">
+            <a:extLst>
+              <a:ext uri="{FF2B5EF4-FFF2-40B4-BE49-F238E27FC236}">
+                <a16:creationId xmlns:a16="http://schemas.microsoft.com/office/drawing/2014/main" id="{7AED529F-30AA-40FC-8901-FD9F0111F745}"/>
+              </a:ext>
+            </a:extLst>
+          </p:cNvPr>
+          <p:cNvSpPr/>
+          <p:nvPr/>
+        </p:nvSpPr>
+        <p:spPr>
+          <a:xfrm>
+            <a:off x="708146" y="3557860"/>
+            <a:ext cx="254845" cy="1101020"/>
+          </a:xfrm>
+          <a:prstGeom prst="roundRect">
+            <a:avLst/>
+          </a:prstGeom>
+          <a:solidFill>
+            <a:schemeClr val="bg1"/>
+          </a:solidFill>
+          <a:ln>
+            <a:solidFill>
+              <a:schemeClr val="bg1"/>
+            </a:solidFill>
+          </a:ln>
+        </p:spPr>
+        <p:style>
+          <a:lnRef idx="2">
+            <a:schemeClr val="accent1">
+              <a:shade val="50000"/>
+            </a:schemeClr>
+          </a:lnRef>
+          <a:fillRef idx="1">
+            <a:schemeClr val="accent1"/>
+          </a:fillRef>
+          <a:effectRef idx="0">
+            <a:schemeClr val="accent1"/>
+          </a:effectRef>
+          <a:fontRef idx="minor">
+            <a:schemeClr val="lt1"/>
+          </a:fontRef>
+        </p:style>
+        <p:txBody>
+          <a:bodyPr rtlCol="0" anchor="ctr"/>
+          <a:lstStyle/>
+          <a:p>
+            <a:pPr algn="ctr"/>
+            <a:r>
+              <a:rPr lang="en-US" dirty="0"/>
+              <a:t> 	</a:t>
+            </a:r>
+          </a:p>
+        </p:txBody>
+      </p:sp>
+      <p:sp>
+        <p:nvSpPr>
+          <p:cNvPr id="12" name="Rounded Rectangle 17">
+            <a:extLst>
+              <a:ext uri="{FF2B5EF4-FFF2-40B4-BE49-F238E27FC236}">
+                <a16:creationId xmlns:a16="http://schemas.microsoft.com/office/drawing/2014/main" id="{F5E41142-D563-40BF-A5AA-E3CD95A722D2}"/>
+              </a:ext>
+            </a:extLst>
+          </p:cNvPr>
+          <p:cNvSpPr/>
+          <p:nvPr/>
+        </p:nvSpPr>
+        <p:spPr>
+          <a:xfrm>
+            <a:off x="1063292" y="3557860"/>
+            <a:ext cx="257180" cy="1107705"/>
+          </a:xfrm>
+          <a:prstGeom prst="roundRect">
+            <a:avLst/>
+          </a:prstGeom>
+          <a:solidFill>
+            <a:schemeClr val="bg1"/>
+          </a:solidFill>
+          <a:ln>
+            <a:solidFill>
+              <a:schemeClr val="bg1"/>
+            </a:solidFill>
+          </a:ln>
+        </p:spPr>
+        <p:style>
+          <a:lnRef idx="2">
+            <a:schemeClr val="accent1">
+              <a:shade val="50000"/>
+            </a:schemeClr>
+          </a:lnRef>
+          <a:fillRef idx="1">
+            <a:schemeClr val="accent1"/>
+          </a:fillRef>
+          <a:effectRef idx="0">
+            <a:schemeClr val="accent1"/>
+          </a:effectRef>
+          <a:fontRef idx="minor">
+            <a:schemeClr val="lt1"/>
+          </a:fontRef>
+        </p:style>
+        <p:txBody>
+          <a:bodyPr rtlCol="0" anchor="ctr"/>
+          <a:lstStyle/>
+          <a:p>
+            <a:pPr algn="ctr"/>
+            <a:r>
+              <a:rPr lang="en-US" dirty="0"/>
+              <a:t> 	</a:t>
+            </a:r>
+          </a:p>
+        </p:txBody>
+      </p:sp>
+      <p:sp>
+        <p:nvSpPr>
+          <p:cNvPr id="3" name="Content Placeholder 2"/>
+          <p:cNvSpPr>
+            <a:spLocks noGrp="1"/>
+          </p:cNvSpPr>
+          <p:nvPr>
+            <p:ph idx="1"/>
+          </p:nvPr>
+        </p:nvSpPr>
+        <p:spPr>
+          <a:xfrm>
+            <a:off x="3543300" y="2696803"/>
+            <a:ext cx="7137400" cy="2657475"/>
+          </a:xfrm>
+        </p:spPr>
+        <p:txBody>
+          <a:bodyPr/>
+          <a:lstStyle/>
+          <a:p>
+            <a:r>
+              <a:rPr lang="en-US" dirty="0">
+                <a:solidFill>
+                  <a:schemeClr val="bg1">
+                    <a:lumMod val="50000"/>
+                  </a:schemeClr>
+                </a:solidFill>
+              </a:rPr>
+              <a:t>How to work on one Window in a team( structure of files, connections of files, incorporating separate XAML file on one Window)</a:t>
+            </a:r>
+          </a:p>
+          <a:p>
+            <a:r>
+              <a:rPr lang="en-US" dirty="0">
+                <a:solidFill>
+                  <a:schemeClr val="bg1">
+                    <a:lumMod val="50000"/>
+                  </a:schemeClr>
+                </a:solidFill>
+              </a:rPr>
+              <a:t>How to connect all the components(styles, commands, format, nodes)</a:t>
+            </a:r>
+          </a:p>
+          <a:p>
+            <a:endParaRPr lang="en-US" dirty="0">
+              <a:solidFill>
+                <a:schemeClr val="bg1">
+                  <a:lumMod val="50000"/>
+                </a:schemeClr>
+              </a:solidFill>
+            </a:endParaRPr>
           </a:p>
         </p:txBody>
       </p:sp>
     </p:spTree>
     <p:extLst>
       <p:ext uri="{BB962C8B-B14F-4D97-AF65-F5344CB8AC3E}">
-        <p14:creationId xmlns:p14="http://schemas.microsoft.com/office/powerpoint/2010/main" val="1976783457"/>
+        <p14:creationId xmlns:p14="http://schemas.microsoft.com/office/powerpoint/2010/main" val="2513174671"/>
       </p:ext>
     </p:extLst>
   </p:cSld>
@@ -3982,25 +4924,6 @@
       </p:grpSpPr>
       <p:sp>
         <p:nvSpPr>
-          <p:cNvPr id="3" name="Content Placeholder 2"/>
-          <p:cNvSpPr>
-            <a:spLocks noGrp="1"/>
-          </p:cNvSpPr>
-          <p:nvPr>
-            <p:ph idx="1"/>
-          </p:nvPr>
-        </p:nvSpPr>
-        <p:spPr/>
-        <p:txBody>
-          <a:bodyPr/>
-          <a:lstStyle/>
-          <a:p>
-            <a:endParaRPr lang="en-US"/>
-          </a:p>
-        </p:txBody>
-      </p:sp>
-      <p:sp>
-        <p:nvSpPr>
           <p:cNvPr id="4" name="Rectangle 2"/>
           <p:cNvSpPr>
             <a:spLocks noGrp="1" noChangeArrowheads="1"/>
@@ -4010,6 +4933,10 @@
           </p:nvPr>
         </p:nvSpPr>
         <p:spPr bwMode="auto">
+          <a:xfrm>
+            <a:off x="253999" y="219849"/>
+            <a:ext cx="7321497" cy="933061"/>
+          </a:xfrm>
           <a:prstGeom prst="rect">
             <a:avLst/>
           </a:prstGeom>
@@ -4038,10 +4965,636 @@
           </a:p>
         </p:txBody>
       </p:sp>
+      <p:sp>
+        <p:nvSpPr>
+          <p:cNvPr id="8" name="Oval 7">
+            <a:extLst>
+              <a:ext uri="{FF2B5EF4-FFF2-40B4-BE49-F238E27FC236}">
+                <a16:creationId xmlns:a16="http://schemas.microsoft.com/office/drawing/2014/main" id="{9EF28B8C-75F2-424A-A35F-1439342980B1}"/>
+              </a:ext>
+            </a:extLst>
+          </p:cNvPr>
+          <p:cNvSpPr/>
+          <p:nvPr/>
+        </p:nvSpPr>
+        <p:spPr>
+          <a:xfrm>
+            <a:off x="4852657" y="3160257"/>
+            <a:ext cx="485192" cy="489857"/>
+          </a:xfrm>
+          <a:prstGeom prst="ellipse">
+            <a:avLst/>
+          </a:prstGeom>
+          <a:solidFill>
+            <a:schemeClr val="bg1"/>
+          </a:solidFill>
+          <a:ln>
+            <a:solidFill>
+              <a:schemeClr val="bg1"/>
+            </a:solidFill>
+          </a:ln>
+        </p:spPr>
+        <p:style>
+          <a:lnRef idx="2">
+            <a:schemeClr val="accent1">
+              <a:shade val="50000"/>
+            </a:schemeClr>
+          </a:lnRef>
+          <a:fillRef idx="1">
+            <a:schemeClr val="accent1"/>
+          </a:fillRef>
+          <a:effectRef idx="0">
+            <a:schemeClr val="accent1"/>
+          </a:effectRef>
+          <a:fontRef idx="minor">
+            <a:schemeClr val="lt1"/>
+          </a:fontRef>
+        </p:style>
+        <p:txBody>
+          <a:bodyPr rtlCol="0" anchor="ctr"/>
+          <a:lstStyle/>
+          <a:p>
+            <a:pPr algn="ctr"/>
+            <a:endParaRPr lang="en-US"/>
+          </a:p>
+        </p:txBody>
+      </p:sp>
+      <p:sp>
+        <p:nvSpPr>
+          <p:cNvPr id="9" name="Round Same Side Corner Rectangle 11">
+            <a:extLst>
+              <a:ext uri="{FF2B5EF4-FFF2-40B4-BE49-F238E27FC236}">
+                <a16:creationId xmlns:a16="http://schemas.microsoft.com/office/drawing/2014/main" id="{E4F4F688-208F-4795-9BC8-B9E52833C3E1}"/>
+              </a:ext>
+            </a:extLst>
+          </p:cNvPr>
+          <p:cNvSpPr/>
+          <p:nvPr/>
+        </p:nvSpPr>
+        <p:spPr>
+          <a:xfrm>
+            <a:off x="4666045" y="3650114"/>
+            <a:ext cx="858417" cy="289248"/>
+          </a:xfrm>
+          <a:prstGeom prst="round2SameRect">
+            <a:avLst/>
+          </a:prstGeom>
+          <a:solidFill>
+            <a:schemeClr val="bg1"/>
+          </a:solidFill>
+          <a:ln>
+            <a:solidFill>
+              <a:schemeClr val="bg1"/>
+            </a:solidFill>
+          </a:ln>
+        </p:spPr>
+        <p:style>
+          <a:lnRef idx="2">
+            <a:schemeClr val="accent1">
+              <a:shade val="50000"/>
+            </a:schemeClr>
+          </a:lnRef>
+          <a:fillRef idx="1">
+            <a:schemeClr val="accent1"/>
+          </a:fillRef>
+          <a:effectRef idx="0">
+            <a:schemeClr val="accent1"/>
+          </a:effectRef>
+          <a:fontRef idx="minor">
+            <a:schemeClr val="lt1"/>
+          </a:fontRef>
+        </p:style>
+        <p:txBody>
+          <a:bodyPr rtlCol="0" anchor="ctr"/>
+          <a:lstStyle/>
+          <a:p>
+            <a:pPr algn="ctr"/>
+            <a:endParaRPr lang="en-US"/>
+          </a:p>
+        </p:txBody>
+      </p:sp>
+      <p:sp>
+        <p:nvSpPr>
+          <p:cNvPr id="10" name="Rounded Rectangle 12">
+            <a:extLst>
+              <a:ext uri="{FF2B5EF4-FFF2-40B4-BE49-F238E27FC236}">
+                <a16:creationId xmlns:a16="http://schemas.microsoft.com/office/drawing/2014/main" id="{425CF939-C37A-4A3C-80CB-CA9ACCA610B1}"/>
+              </a:ext>
+            </a:extLst>
+          </p:cNvPr>
+          <p:cNvSpPr/>
+          <p:nvPr/>
+        </p:nvSpPr>
+        <p:spPr>
+          <a:xfrm>
+            <a:off x="4535416" y="3650114"/>
+            <a:ext cx="223935" cy="933061"/>
+          </a:xfrm>
+          <a:prstGeom prst="roundRect">
+            <a:avLst/>
+          </a:prstGeom>
+          <a:solidFill>
+            <a:schemeClr val="bg1"/>
+          </a:solidFill>
+          <a:ln>
+            <a:solidFill>
+              <a:schemeClr val="bg1"/>
+            </a:solidFill>
+          </a:ln>
+        </p:spPr>
+        <p:style>
+          <a:lnRef idx="2">
+            <a:schemeClr val="accent1">
+              <a:shade val="50000"/>
+            </a:schemeClr>
+          </a:lnRef>
+          <a:fillRef idx="1">
+            <a:schemeClr val="accent1"/>
+          </a:fillRef>
+          <a:effectRef idx="0">
+            <a:schemeClr val="accent1"/>
+          </a:effectRef>
+          <a:fontRef idx="minor">
+            <a:schemeClr val="lt1"/>
+          </a:fontRef>
+        </p:style>
+        <p:txBody>
+          <a:bodyPr rtlCol="0" anchor="ctr"/>
+          <a:lstStyle/>
+          <a:p>
+            <a:pPr algn="ctr"/>
+            <a:r>
+              <a:rPr lang="en-US" dirty="0"/>
+              <a:t> 	</a:t>
+            </a:r>
+          </a:p>
+        </p:txBody>
+      </p:sp>
+      <p:sp>
+        <p:nvSpPr>
+          <p:cNvPr id="11" name="Rounded Rectangle 13">
+            <a:extLst>
+              <a:ext uri="{FF2B5EF4-FFF2-40B4-BE49-F238E27FC236}">
+                <a16:creationId xmlns:a16="http://schemas.microsoft.com/office/drawing/2014/main" id="{5E46B367-6202-41EE-AC2C-A2FC76917843}"/>
+              </a:ext>
+            </a:extLst>
+          </p:cNvPr>
+          <p:cNvSpPr/>
+          <p:nvPr/>
+        </p:nvSpPr>
+        <p:spPr>
+          <a:xfrm>
+            <a:off x="5453895" y="3650114"/>
+            <a:ext cx="223935" cy="933061"/>
+          </a:xfrm>
+          <a:prstGeom prst="roundRect">
+            <a:avLst/>
+          </a:prstGeom>
+          <a:solidFill>
+            <a:schemeClr val="bg1"/>
+          </a:solidFill>
+          <a:ln>
+            <a:solidFill>
+              <a:schemeClr val="bg1"/>
+            </a:solidFill>
+          </a:ln>
+        </p:spPr>
+        <p:style>
+          <a:lnRef idx="2">
+            <a:schemeClr val="accent1">
+              <a:shade val="50000"/>
+            </a:schemeClr>
+          </a:lnRef>
+          <a:fillRef idx="1">
+            <a:schemeClr val="accent1"/>
+          </a:fillRef>
+          <a:effectRef idx="0">
+            <a:schemeClr val="accent1"/>
+          </a:effectRef>
+          <a:fontRef idx="minor">
+            <a:schemeClr val="lt1"/>
+          </a:fontRef>
+        </p:style>
+        <p:txBody>
+          <a:bodyPr rtlCol="0" anchor="ctr"/>
+          <a:lstStyle/>
+          <a:p>
+            <a:pPr algn="ctr"/>
+            <a:endParaRPr lang="en-US"/>
+          </a:p>
+        </p:txBody>
+      </p:sp>
+      <p:sp>
+        <p:nvSpPr>
+          <p:cNvPr id="12" name="Rectangle 11">
+            <a:extLst>
+              <a:ext uri="{FF2B5EF4-FFF2-40B4-BE49-F238E27FC236}">
+                <a16:creationId xmlns:a16="http://schemas.microsoft.com/office/drawing/2014/main" id="{EF49498D-FC30-4609-B0D8-364A825A798E}"/>
+              </a:ext>
+            </a:extLst>
+          </p:cNvPr>
+          <p:cNvSpPr/>
+          <p:nvPr/>
+        </p:nvSpPr>
+        <p:spPr>
+          <a:xfrm>
+            <a:off x="4800752" y="3939360"/>
+            <a:ext cx="612326" cy="914400"/>
+          </a:xfrm>
+          <a:prstGeom prst="rect">
+            <a:avLst/>
+          </a:prstGeom>
+          <a:solidFill>
+            <a:schemeClr val="bg1"/>
+          </a:solidFill>
+          <a:ln>
+            <a:solidFill>
+              <a:schemeClr val="bg1"/>
+            </a:solidFill>
+          </a:ln>
+        </p:spPr>
+        <p:style>
+          <a:lnRef idx="2">
+            <a:schemeClr val="accent1">
+              <a:shade val="50000"/>
+            </a:schemeClr>
+          </a:lnRef>
+          <a:fillRef idx="1">
+            <a:schemeClr val="accent1"/>
+          </a:fillRef>
+          <a:effectRef idx="0">
+            <a:schemeClr val="accent1"/>
+          </a:effectRef>
+          <a:fontRef idx="minor">
+            <a:schemeClr val="lt1"/>
+          </a:fontRef>
+        </p:style>
+        <p:txBody>
+          <a:bodyPr rtlCol="0" anchor="ctr"/>
+          <a:lstStyle/>
+          <a:p>
+            <a:pPr algn="ctr"/>
+            <a:endParaRPr lang="en-US"/>
+          </a:p>
+        </p:txBody>
+      </p:sp>
+      <p:sp>
+        <p:nvSpPr>
+          <p:cNvPr id="13" name="Rounded Rectangle 16">
+            <a:extLst>
+              <a:ext uri="{FF2B5EF4-FFF2-40B4-BE49-F238E27FC236}">
+                <a16:creationId xmlns:a16="http://schemas.microsoft.com/office/drawing/2014/main" id="{093FF3FF-083C-41BA-B9F2-BBA94C9A1C25}"/>
+              </a:ext>
+            </a:extLst>
+          </p:cNvPr>
+          <p:cNvSpPr/>
+          <p:nvPr/>
+        </p:nvSpPr>
+        <p:spPr>
+          <a:xfrm>
+            <a:off x="4800752" y="4800417"/>
+            <a:ext cx="254845" cy="1101020"/>
+          </a:xfrm>
+          <a:prstGeom prst="roundRect">
+            <a:avLst/>
+          </a:prstGeom>
+          <a:solidFill>
+            <a:schemeClr val="bg1"/>
+          </a:solidFill>
+          <a:ln>
+            <a:solidFill>
+              <a:schemeClr val="bg1"/>
+            </a:solidFill>
+          </a:ln>
+        </p:spPr>
+        <p:style>
+          <a:lnRef idx="2">
+            <a:schemeClr val="accent1">
+              <a:shade val="50000"/>
+            </a:schemeClr>
+          </a:lnRef>
+          <a:fillRef idx="1">
+            <a:schemeClr val="accent1"/>
+          </a:fillRef>
+          <a:effectRef idx="0">
+            <a:schemeClr val="accent1"/>
+          </a:effectRef>
+          <a:fontRef idx="minor">
+            <a:schemeClr val="lt1"/>
+          </a:fontRef>
+        </p:style>
+        <p:txBody>
+          <a:bodyPr rtlCol="0" anchor="ctr"/>
+          <a:lstStyle/>
+          <a:p>
+            <a:pPr algn="ctr"/>
+            <a:r>
+              <a:rPr lang="en-US" dirty="0"/>
+              <a:t> 	</a:t>
+            </a:r>
+          </a:p>
+        </p:txBody>
+      </p:sp>
+      <p:sp>
+        <p:nvSpPr>
+          <p:cNvPr id="14" name="Rounded Rectangle 17">
+            <a:extLst>
+              <a:ext uri="{FF2B5EF4-FFF2-40B4-BE49-F238E27FC236}">
+                <a16:creationId xmlns:a16="http://schemas.microsoft.com/office/drawing/2014/main" id="{C97FA6F4-34FA-4AC2-A820-1FF07168ED5D}"/>
+              </a:ext>
+            </a:extLst>
+          </p:cNvPr>
+          <p:cNvSpPr/>
+          <p:nvPr/>
+        </p:nvSpPr>
+        <p:spPr>
+          <a:xfrm>
+            <a:off x="5155898" y="4800417"/>
+            <a:ext cx="257180" cy="1107705"/>
+          </a:xfrm>
+          <a:prstGeom prst="roundRect">
+            <a:avLst/>
+          </a:prstGeom>
+          <a:solidFill>
+            <a:schemeClr val="bg1"/>
+          </a:solidFill>
+          <a:ln>
+            <a:solidFill>
+              <a:schemeClr val="bg1"/>
+            </a:solidFill>
+          </a:ln>
+        </p:spPr>
+        <p:style>
+          <a:lnRef idx="2">
+            <a:schemeClr val="accent1">
+              <a:shade val="50000"/>
+            </a:schemeClr>
+          </a:lnRef>
+          <a:fillRef idx="1">
+            <a:schemeClr val="accent1"/>
+          </a:fillRef>
+          <a:effectRef idx="0">
+            <a:schemeClr val="accent1"/>
+          </a:effectRef>
+          <a:fontRef idx="minor">
+            <a:schemeClr val="lt1"/>
+          </a:fontRef>
+        </p:style>
+        <p:txBody>
+          <a:bodyPr rtlCol="0" anchor="ctr"/>
+          <a:lstStyle/>
+          <a:p>
+            <a:pPr algn="ctr"/>
+            <a:r>
+              <a:rPr lang="en-US" dirty="0"/>
+              <a:t> 	</a:t>
+            </a:r>
+          </a:p>
+        </p:txBody>
+      </p:sp>
+      <p:sp>
+        <p:nvSpPr>
+          <p:cNvPr id="15" name="Thought Bubble: Cloud 14">
+            <a:extLst>
+              <a:ext uri="{FF2B5EF4-FFF2-40B4-BE49-F238E27FC236}">
+                <a16:creationId xmlns:a16="http://schemas.microsoft.com/office/drawing/2014/main" id="{5EEAB3E7-74FE-42C6-9A1F-34EC391665E3}"/>
+              </a:ext>
+            </a:extLst>
+          </p:cNvPr>
+          <p:cNvSpPr/>
+          <p:nvPr/>
+        </p:nvSpPr>
+        <p:spPr>
+          <a:xfrm>
+            <a:off x="6197600" y="305608"/>
+            <a:ext cx="5994400" cy="6145991"/>
+          </a:xfrm>
+          <a:prstGeom prst="cloudCallout">
+            <a:avLst>
+              <a:gd name="adj1" fmla="val -52612"/>
+              <a:gd name="adj2" fmla="val -405"/>
+            </a:avLst>
+          </a:prstGeom>
+          <a:solidFill>
+            <a:srgbClr val="98F2FE"/>
+          </a:solidFill>
+        </p:spPr>
+        <p:style>
+          <a:lnRef idx="2">
+            <a:schemeClr val="accent1">
+              <a:shade val="50000"/>
+            </a:schemeClr>
+          </a:lnRef>
+          <a:fillRef idx="1">
+            <a:schemeClr val="accent1"/>
+          </a:fillRef>
+          <a:effectRef idx="0">
+            <a:schemeClr val="accent1"/>
+          </a:effectRef>
+          <a:fontRef idx="minor">
+            <a:schemeClr val="lt1"/>
+          </a:fontRef>
+        </p:style>
+        <p:txBody>
+          <a:bodyPr rtlCol="0" anchor="ctr"/>
+          <a:lstStyle/>
+          <a:p>
+            <a:pPr algn="ctr"/>
+            <a:endParaRPr lang="en-US"/>
+          </a:p>
+        </p:txBody>
+      </p:sp>
+      <p:pic>
+        <p:nvPicPr>
+          <p:cNvPr id="7" name="Picture 6">
+            <a:extLst>
+              <a:ext uri="{FF2B5EF4-FFF2-40B4-BE49-F238E27FC236}">
+                <a16:creationId xmlns:a16="http://schemas.microsoft.com/office/drawing/2014/main" id="{9FA9E5B1-5C43-4323-8E1F-74905CBCEE9E}"/>
+              </a:ext>
+            </a:extLst>
+          </p:cNvPr>
+          <p:cNvPicPr>
+            <a:picLocks noChangeAspect="1"/>
+          </p:cNvPicPr>
+          <p:nvPr/>
+        </p:nvPicPr>
+        <p:blipFill>
+          <a:blip r:embed="rId3" cstate="print">
+            <a:extLst>
+              <a:ext uri="{28A0092B-C50C-407E-A947-70E740481C1C}">
+                <a14:useLocalDpi xmlns:a14="http://schemas.microsoft.com/office/drawing/2010/main" val="0"/>
+              </a:ext>
+            </a:extLst>
+          </a:blip>
+          <a:stretch>
+            <a:fillRect/>
+          </a:stretch>
+        </p:blipFill>
+        <p:spPr>
+          <a:xfrm>
+            <a:off x="7169022" y="2407557"/>
+            <a:ext cx="3666632" cy="2749974"/>
+          </a:xfrm>
+          <a:prstGeom prst="rect">
+            <a:avLst/>
+          </a:prstGeom>
+          <a:effectLst>
+            <a:outerShdw blurRad="50800" dist="38100" dir="16200000" rotWithShape="0">
+              <a:prstClr val="black">
+                <a:alpha val="40000"/>
+              </a:prstClr>
+            </a:outerShdw>
+          </a:effectLst>
+        </p:spPr>
+      </p:pic>
+      <p:sp>
+        <p:nvSpPr>
+          <p:cNvPr id="16" name="TextBox 15">
+            <a:extLst>
+              <a:ext uri="{FF2B5EF4-FFF2-40B4-BE49-F238E27FC236}">
+                <a16:creationId xmlns:a16="http://schemas.microsoft.com/office/drawing/2014/main" id="{EB92549D-440D-4EAC-B42D-7CBE6DA67398}"/>
+              </a:ext>
+            </a:extLst>
+          </p:cNvPr>
+          <p:cNvSpPr txBox="1"/>
+          <p:nvPr/>
+        </p:nvSpPr>
+        <p:spPr>
+          <a:xfrm>
+            <a:off x="8368974" y="1022562"/>
+            <a:ext cx="3569027" cy="1384995"/>
+          </a:xfrm>
+          <a:prstGeom prst="rect">
+            <a:avLst/>
+          </a:prstGeom>
+          <a:noFill/>
+        </p:spPr>
+        <p:txBody>
+          <a:bodyPr wrap="square" rtlCol="0">
+            <a:spAutoFit/>
+          </a:bodyPr>
+          <a:lstStyle/>
+          <a:p>
+            <a:pPr marL="457200" indent="-457200">
+              <a:buFont typeface="Arial" panose="020B0604020202020204" pitchFamily="34" charset="0"/>
+              <a:buChar char="•"/>
+            </a:pPr>
+            <a:r>
+              <a:rPr lang="en-US" sz="2800" dirty="0">
+                <a:solidFill>
+                  <a:schemeClr val="bg1">
+                    <a:lumMod val="50000"/>
+                  </a:schemeClr>
+                </a:solidFill>
+              </a:rPr>
+              <a:t>What are vectors and how to manipulate them.</a:t>
+            </a:r>
+          </a:p>
+        </p:txBody>
+      </p:sp>
+      <p:sp>
+        <p:nvSpPr>
+          <p:cNvPr id="17" name="Thought Bubble: Cloud 16">
+            <a:extLst>
+              <a:ext uri="{FF2B5EF4-FFF2-40B4-BE49-F238E27FC236}">
+                <a16:creationId xmlns:a16="http://schemas.microsoft.com/office/drawing/2014/main" id="{72D1C4C6-58D9-4462-9030-E3AC73CFB2D4}"/>
+              </a:ext>
+            </a:extLst>
+          </p:cNvPr>
+          <p:cNvSpPr/>
+          <p:nvPr/>
+        </p:nvSpPr>
+        <p:spPr>
+          <a:xfrm>
+            <a:off x="178344" y="1715059"/>
+            <a:ext cx="3748345" cy="4343400"/>
+          </a:xfrm>
+          <a:prstGeom prst="cloudCallout">
+            <a:avLst>
+              <a:gd name="adj1" fmla="val 65904"/>
+              <a:gd name="adj2" fmla="val -12647"/>
+            </a:avLst>
+          </a:prstGeom>
+          <a:solidFill>
+            <a:srgbClr val="98F2FE"/>
+          </a:solidFill>
+        </p:spPr>
+        <p:style>
+          <a:lnRef idx="2">
+            <a:schemeClr val="accent1">
+              <a:shade val="50000"/>
+            </a:schemeClr>
+          </a:lnRef>
+          <a:fillRef idx="1">
+            <a:schemeClr val="accent1"/>
+          </a:fillRef>
+          <a:effectRef idx="0">
+            <a:schemeClr val="accent1"/>
+          </a:effectRef>
+          <a:fontRef idx="minor">
+            <a:schemeClr val="lt1"/>
+          </a:fontRef>
+        </p:style>
+        <p:txBody>
+          <a:bodyPr rtlCol="0" anchor="ctr"/>
+          <a:lstStyle/>
+          <a:p>
+            <a:pPr algn="ctr"/>
+            <a:endParaRPr lang="en-US"/>
+          </a:p>
+        </p:txBody>
+      </p:sp>
+      <p:sp>
+        <p:nvSpPr>
+          <p:cNvPr id="3" name="Content Placeholder 2"/>
+          <p:cNvSpPr>
+            <a:spLocks noGrp="1"/>
+          </p:cNvSpPr>
+          <p:nvPr>
+            <p:ph idx="1"/>
+          </p:nvPr>
+        </p:nvSpPr>
+        <p:spPr>
+          <a:xfrm>
+            <a:off x="772004" y="2654349"/>
+            <a:ext cx="2537695" cy="2602362"/>
+          </a:xfrm>
+        </p:spPr>
+        <p:txBody>
+          <a:bodyPr>
+            <a:normAutofit/>
+          </a:bodyPr>
+          <a:lstStyle/>
+          <a:p>
+            <a:r>
+              <a:rPr lang="en-US" dirty="0">
+                <a:solidFill>
+                  <a:schemeClr val="bg1">
+                    <a:lumMod val="50000"/>
+                  </a:schemeClr>
+                </a:solidFill>
+              </a:rPr>
+              <a:t>How a visual object is created and manipulated in XAML and logic</a:t>
+            </a:r>
+          </a:p>
+          <a:p>
+            <a:pPr marL="0" indent="0">
+              <a:buNone/>
+            </a:pPr>
+            <a:endParaRPr lang="en-US" dirty="0">
+              <a:solidFill>
+                <a:schemeClr val="bg1">
+                  <a:lumMod val="50000"/>
+                </a:schemeClr>
+              </a:solidFill>
+            </a:endParaRPr>
+          </a:p>
+        </p:txBody>
+      </p:sp>
     </p:spTree>
     <p:extLst>
       <p:ext uri="{BB962C8B-B14F-4D97-AF65-F5344CB8AC3E}">
-        <p14:creationId xmlns:p14="http://schemas.microsoft.com/office/powerpoint/2010/main" val="2513174671"/>
+        <p14:creationId xmlns:p14="http://schemas.microsoft.com/office/powerpoint/2010/main" val="3050599416"/>
       </p:ext>
     </p:extLst>
   </p:cSld>
@@ -4091,12 +5644,51 @@
             <p:ph idx="1"/>
           </p:nvPr>
         </p:nvSpPr>
-        <p:spPr/>
+        <p:spPr>
+          <a:xfrm>
+            <a:off x="838200" y="3082925"/>
+            <a:ext cx="6296526" cy="2441575"/>
+          </a:xfrm>
+          <a:effectLst>
+            <a:outerShdw blurRad="50800" dist="38100" dir="2700000" algn="tl" rotWithShape="0">
+              <a:prstClr val="black">
+                <a:alpha val="40000"/>
+              </a:prstClr>
+            </a:outerShdw>
+          </a:effectLst>
+        </p:spPr>
         <p:txBody>
           <a:bodyPr/>
           <a:lstStyle/>
           <a:p>
-            <a:endParaRPr lang="en-US"/>
+            <a:r>
+              <a:rPr lang="en-US" dirty="0">
+                <a:solidFill>
+                  <a:schemeClr val="bg1"/>
+                </a:solidFill>
+              </a:rPr>
+              <a:t>Dragging and dropping certain nodes cause certain functions. </a:t>
+            </a:r>
+          </a:p>
+          <a:p>
+            <a:r>
+              <a:rPr lang="en-US" dirty="0">
+                <a:solidFill>
+                  <a:schemeClr val="bg1"/>
+                </a:solidFill>
+              </a:rPr>
+              <a:t>More toolbar functions. </a:t>
+            </a:r>
+          </a:p>
+          <a:p>
+            <a:r>
+              <a:rPr lang="en-US" dirty="0">
+                <a:solidFill>
+                  <a:schemeClr val="bg1"/>
+                </a:solidFill>
+              </a:rPr>
+              <a:t>More diagrams</a:t>
+            </a:r>
           </a:p>
         </p:txBody>
       </p:sp>
@@ -4134,15 +5726,51 @@
                 </a:solidFill>
                 <a:latin typeface="Book Antiqua" panose="02040602050305030304" pitchFamily="18" charset="0"/>
               </a:rPr>
-              <a:t>What we’ve learned  </a:t>
-            </a:r>
-          </a:p>
-        </p:txBody>
-      </p:sp>
+              <a:t>Future Work </a:t>
+            </a:r>
+          </a:p>
+        </p:txBody>
+      </p:sp>
+      <p:pic>
+        <p:nvPicPr>
+          <p:cNvPr id="5" name="Picture 4">
+            <a:extLst>
+              <a:ext uri="{FF2B5EF4-FFF2-40B4-BE49-F238E27FC236}">
+                <a16:creationId xmlns:a16="http://schemas.microsoft.com/office/drawing/2014/main" id="{5D155791-DF69-4E27-9E09-B34B276041EF}"/>
+              </a:ext>
+            </a:extLst>
+          </p:cNvPr>
+          <p:cNvPicPr>
+            <a:picLocks noChangeAspect="1"/>
+          </p:cNvPicPr>
+          <p:nvPr/>
+        </p:nvPicPr>
+        <p:blipFill>
+          <a:blip r:embed="rId3">
+            <a:extLst>
+              <a:ext uri="{28A0092B-C50C-407E-A947-70E740481C1C}">
+                <a14:useLocalDpi xmlns:a14="http://schemas.microsoft.com/office/drawing/2010/main" val="0"/>
+              </a:ext>
+            </a:extLst>
+          </a:blip>
+          <a:stretch>
+            <a:fillRect/>
+          </a:stretch>
+        </p:blipFill>
+        <p:spPr>
+          <a:xfrm>
+            <a:off x="7327591" y="3082925"/>
+            <a:ext cx="4420217" cy="1962424"/>
+          </a:xfrm>
+          <a:prstGeom prst="rect">
+            <a:avLst/>
+          </a:prstGeom>
+        </p:spPr>
+      </p:pic>
     </p:spTree>
     <p:extLst>
       <p:ext uri="{BB962C8B-B14F-4D97-AF65-F5344CB8AC3E}">
-        <p14:creationId xmlns:p14="http://schemas.microsoft.com/office/powerpoint/2010/main" val="3050599416"/>
+        <p14:creationId xmlns:p14="http://schemas.microsoft.com/office/powerpoint/2010/main" val="3951969211"/>
       </p:ext>
     </p:extLst>
   </p:cSld>
@@ -4184,57 +5812,6 @@
       </p:grpSpPr>
       <p:sp>
         <p:nvSpPr>
-          <p:cNvPr id="3" name="Content Placeholder 2"/>
-          <p:cNvSpPr>
-            <a:spLocks noGrp="1"/>
-          </p:cNvSpPr>
-          <p:nvPr>
-            <p:ph idx="1"/>
-          </p:nvPr>
-        </p:nvSpPr>
-        <p:spPr>
-          <a:xfrm>
-            <a:off x="838200" y="1825625"/>
-            <a:ext cx="6296526" cy="4351338"/>
-          </a:xfrm>
-        </p:spPr>
-        <p:txBody>
-          <a:bodyPr/>
-          <a:lstStyle/>
-          <a:p>
-            <a:r>
-              <a:rPr lang="en-US" dirty="0">
-                <a:solidFill>
-                  <a:schemeClr val="bg1"/>
-                </a:solidFill>
-              </a:rPr>
-              <a:t>Dragging and dropping certain nodes cause certain functions. </a:t>
-            </a:r>
-          </a:p>
-          <a:p>
-            <a:r>
-              <a:rPr lang="en-US" dirty="0">
-                <a:solidFill>
-                  <a:schemeClr val="bg1"/>
-                </a:solidFill>
-              </a:rPr>
-              <a:t>More toolbar functions. </a:t>
-            </a:r>
-          </a:p>
-          <a:p>
-            <a:r>
-              <a:rPr lang="en-US" dirty="0">
-                <a:solidFill>
-                  <a:schemeClr val="bg1"/>
-                </a:solidFill>
-              </a:rPr>
-              <a:t>More diagrams</a:t>
-            </a:r>
-          </a:p>
-        </p:txBody>
-      </p:sp>
-      <p:sp>
-        <p:nvSpPr>
           <p:cNvPr id="4" name="Rectangle 2"/>
           <p:cNvSpPr>
             <a:spLocks noGrp="1" noChangeArrowheads="1"/>
@@ -4267,124 +5844,6 @@
                 </a:solidFill>
                 <a:latin typeface="Book Antiqua" panose="02040602050305030304" pitchFamily="18" charset="0"/>
               </a:rPr>
-              <a:t>Future Work </a:t>
-            </a:r>
-          </a:p>
-        </p:txBody>
-      </p:sp>
-      <p:pic>
-        <p:nvPicPr>
-          <p:cNvPr id="5" name="Picture 4">
-            <a:extLst>
-              <a:ext uri="{FF2B5EF4-FFF2-40B4-BE49-F238E27FC236}">
-                <a16:creationId xmlns:a16="http://schemas.microsoft.com/office/drawing/2014/main" id="{5D155791-DF69-4E27-9E09-B34B276041EF}"/>
-              </a:ext>
-            </a:extLst>
-          </p:cNvPr>
-          <p:cNvPicPr>
-            <a:picLocks noChangeAspect="1"/>
-          </p:cNvPicPr>
-          <p:nvPr/>
-        </p:nvPicPr>
-        <p:blipFill>
-          <a:blip r:embed="rId3">
-            <a:extLst>
-              <a:ext uri="{28A0092B-C50C-407E-A947-70E740481C1C}">
-                <a14:useLocalDpi xmlns:a14="http://schemas.microsoft.com/office/drawing/2010/main" val="0"/>
-              </a:ext>
-            </a:extLst>
-          </a:blip>
-          <a:stretch>
-            <a:fillRect/>
-          </a:stretch>
-        </p:blipFill>
-        <p:spPr>
-          <a:xfrm>
-            <a:off x="7314891" y="1954493"/>
-            <a:ext cx="4420217" cy="1962424"/>
-          </a:xfrm>
-          <a:prstGeom prst="rect">
-            <a:avLst/>
-          </a:prstGeom>
-        </p:spPr>
-      </p:pic>
-    </p:spTree>
-    <p:extLst>
-      <p:ext uri="{BB962C8B-B14F-4D97-AF65-F5344CB8AC3E}">
-        <p14:creationId xmlns:p14="http://schemas.microsoft.com/office/powerpoint/2010/main" val="3951969211"/>
-      </p:ext>
-    </p:extLst>
-  </p:cSld>
-  <p:clrMapOvr>
-    <a:overrideClrMapping bg1="lt1" tx1="dk1" bg2="lt2" tx2="dk2" accent1="accent1" accent2="accent2" accent3="accent3" accent4="accent4" accent5="accent5" accent6="accent6" hlink="hlink" folHlink="folHlink"/>
-  </p:clrMapOvr>
-</p:sld>
-</file>
-
-<file path=ppt/slides/slide16.xml><?xml version="1.0" encoding="utf-8"?>
-<p:sld xmlns:a="http://schemas.openxmlformats.org/drawingml/2006/main" xmlns:r="http://schemas.openxmlformats.org/officeDocument/2006/relationships" xmlns:p="http://schemas.openxmlformats.org/presentationml/2006/main">
-  <p:cSld>
-    <p:bg>
-      <p:bgPr>
-        <a:pattFill prst="pct50">
-          <a:fgClr>
-            <a:srgbClr val="0292A6"/>
-          </a:fgClr>
-          <a:bgClr>
-            <a:srgbClr val="5DA9FD"/>
-          </a:bgClr>
-        </a:pattFill>
-        <a:effectLst/>
-      </p:bgPr>
-    </p:bg>
-    <p:spTree>
-      <p:nvGrpSpPr>
-        <p:cNvPr id="1" name=""/>
-        <p:cNvGrpSpPr/>
-        <p:nvPr/>
-      </p:nvGrpSpPr>
-      <p:grpSpPr>
-        <a:xfrm>
-          <a:off x="0" y="0"/>
-          <a:ext cx="0" cy="0"/>
-          <a:chOff x="0" y="0"/>
-          <a:chExt cx="0" cy="0"/>
-        </a:xfrm>
-      </p:grpSpPr>
-      <p:sp>
-        <p:nvSpPr>
-          <p:cNvPr id="4" name="Rectangle 2"/>
-          <p:cNvSpPr>
-            <a:spLocks noGrp="1" noChangeArrowheads="1"/>
-          </p:cNvSpPr>
-          <p:nvPr>
-            <p:ph type="title"/>
-          </p:nvPr>
-        </p:nvSpPr>
-        <p:spPr bwMode="auto">
-          <a:prstGeom prst="rect">
-            <a:avLst/>
-          </a:prstGeom>
-          <a:effectLst>
-            <a:outerShdw blurRad="50800" dist="50800" dir="5400000" algn="ctr" rotWithShape="0">
-              <a:schemeClr val="tx1"/>
-            </a:outerShdw>
-          </a:effectLst>
-        </p:spPr>
-        <p:txBody>
-          <a:bodyPr vert="horz" lIns="91440" tIns="45720" rIns="91440" bIns="45720" rtlCol="0" anchor="b">
-            <a:normAutofit/>
-          </a:bodyPr>
-          <a:lstStyle/>
-          <a:p>
-            <a:pPr algn="ctr"/>
-            <a:r>
-              <a:rPr lang="en-US" altLang="en-US" sz="5400" dirty="0">
-                <a:solidFill>
-                  <a:schemeClr val="bg1"/>
-                </a:solidFill>
-                <a:latin typeface="Book Antiqua" panose="02040602050305030304" pitchFamily="18" charset="0"/>
-              </a:rPr>
               <a:t>Conclusion</a:t>
             </a:r>
           </a:p>
@@ -4400,12 +5859,36 @@
             <p:ph idx="1"/>
           </p:nvPr>
         </p:nvSpPr>
-        <p:spPr/>
-        <p:txBody>
-          <a:bodyPr/>
-          <a:lstStyle/>
-          <a:p>
-            <a:endParaRPr lang="en-US"/>
+        <p:spPr>
+          <a:effectLst>
+            <a:outerShdw blurRad="50800" dist="38100" dir="2700000" algn="tl" rotWithShape="0">
+              <a:prstClr val="black">
+                <a:alpha val="40000"/>
+              </a:prstClr>
+            </a:outerShdw>
+          </a:effectLst>
+        </p:spPr>
+        <p:txBody>
+          <a:bodyPr vert="horz" lIns="91440" tIns="45720" rIns="91440" bIns="45720" rtlCol="0">
+            <a:normAutofit/>
+          </a:bodyPr>
+          <a:lstStyle/>
+          <a:p>
+            <a:r>
+              <a:rPr lang="en-US" dirty="0">
+                <a:solidFill>
+                  <a:schemeClr val="bg1"/>
+                </a:solidFill>
+              </a:rPr>
+              <a:t>When starting working with a NUGET you need to be sure if the documentation is available and you have enough access to the original code logic.</a:t>
+            </a:r>
+          </a:p>
+          <a:p>
+            <a:endParaRPr lang="en-US" dirty="0">
+              <a:solidFill>
+                <a:schemeClr val="bg1"/>
+              </a:solidFill>
+            </a:endParaRPr>
           </a:p>
         </p:txBody>
       </p:sp>
@@ -4519,9 +6002,16 @@
         </p:blipFill>
         <p:spPr>
           <a:xfrm>
-            <a:off x="2316201" y="1393385"/>
+            <a:off x="790153" y="1393385"/>
             <a:ext cx="3678130" cy="5112603"/>
           </a:xfrm>
+          <a:effectLst>
+            <a:outerShdw blurRad="50800" dist="38100" dir="2700000" algn="tl" rotWithShape="0">
+              <a:prstClr val="black">
+                <a:alpha val="40000"/>
+              </a:prstClr>
+            </a:outerShdw>
+          </a:effectLst>
         </p:spPr>
       </p:pic>
       <p:sp>
@@ -4532,11 +6022,14 @@
         </p:nvSpPr>
         <p:spPr>
           <a:xfrm>
-            <a:off x="7548466" y="996547"/>
-            <a:ext cx="3741575" cy="2799184"/>
+            <a:off x="7125772" y="996546"/>
+            <a:ext cx="4837628" cy="4083453"/>
           </a:xfrm>
           <a:prstGeom prst="cloudCallout">
-            <a:avLst/>
+            <a:avLst>
+              <a:gd name="adj1" fmla="val -66512"/>
+              <a:gd name="adj2" fmla="val -51641"/>
+            </a:avLst>
           </a:prstGeom>
           <a:solidFill>
             <a:srgbClr val="98F2FE"/>
@@ -4577,8 +6070,8 @@
         </p:nvSpPr>
         <p:spPr>
           <a:xfrm>
-            <a:off x="9629192" y="1734643"/>
-            <a:ext cx="457200" cy="429209"/>
+            <a:off x="10116563" y="1874406"/>
+            <a:ext cx="848308" cy="767257"/>
           </a:xfrm>
           <a:prstGeom prst="actionButtonHelp">
             <a:avLst/>
@@ -4620,8 +6113,8 @@
         </p:nvSpPr>
         <p:spPr>
           <a:xfrm>
-            <a:off x="7660432" y="3949687"/>
-            <a:ext cx="485192" cy="489857"/>
+            <a:off x="5627136" y="1467417"/>
+            <a:ext cx="858416" cy="813978"/>
           </a:xfrm>
           <a:prstGeom prst="ellipse">
             <a:avLst/>
@@ -4668,8 +6161,8 @@
         </p:nvSpPr>
         <p:spPr>
           <a:xfrm>
-            <a:off x="7473820" y="4439544"/>
-            <a:ext cx="858417" cy="289248"/>
+            <a:off x="5382879" y="2310516"/>
+            <a:ext cx="1357575" cy="498760"/>
           </a:xfrm>
           <a:prstGeom prst="round2SameRect">
             <a:avLst/>
@@ -4710,14 +6203,14 @@
       </p:sp>
       <p:sp>
         <p:nvSpPr>
-          <p:cNvPr id="13" name="Rounded Rectangle 12"/>
+          <p:cNvPr id="14" name="Rounded Rectangle 13"/>
           <p:cNvSpPr/>
           <p:nvPr/>
         </p:nvSpPr>
         <p:spPr>
           <a:xfrm>
-            <a:off x="7343191" y="4439544"/>
-            <a:ext cx="223935" cy="933061"/>
+            <a:off x="6577183" y="2313092"/>
+            <a:ext cx="373336" cy="1308967"/>
           </a:xfrm>
           <a:prstGeom prst="roundRect">
             <a:avLst/>
@@ -4752,25 +6245,22 @@
           <a:lstStyle/>
           <a:p>
             <a:pPr algn="ctr"/>
-            <a:r>
-              <a:rPr lang="en-US" dirty="0"/>
-              <a:t> 	</a:t>
-            </a:r>
-          </a:p>
-        </p:txBody>
-      </p:sp>
-      <p:sp>
-        <p:nvSpPr>
-          <p:cNvPr id="14" name="Rounded Rectangle 13"/>
+            <a:endParaRPr lang="en-US"/>
+          </a:p>
+        </p:txBody>
+      </p:sp>
+      <p:sp>
+        <p:nvSpPr>
+          <p:cNvPr id="15" name="Rectangle 14"/>
           <p:cNvSpPr/>
           <p:nvPr/>
         </p:nvSpPr>
         <p:spPr>
           <a:xfrm>
-            <a:off x="8261670" y="4439544"/>
-            <a:ext cx="223935" cy="933061"/>
-          </a:xfrm>
-          <a:prstGeom prst="roundRect">
+            <a:off x="5654686" y="2809276"/>
+            <a:ext cx="882628" cy="1293248"/>
+          </a:xfrm>
+          <a:prstGeom prst="rect">
             <a:avLst/>
           </a:prstGeom>
           <a:solidFill>
@@ -4809,16 +6299,16 @@
       </p:sp>
       <p:sp>
         <p:nvSpPr>
-          <p:cNvPr id="15" name="Rectangle 14"/>
+          <p:cNvPr id="18" name="Rounded Rectangle 17"/>
           <p:cNvSpPr/>
           <p:nvPr/>
         </p:nvSpPr>
         <p:spPr>
           <a:xfrm>
-            <a:off x="7608527" y="4728790"/>
-            <a:ext cx="612326" cy="914400"/>
-          </a:xfrm>
-          <a:prstGeom prst="rect">
+            <a:off x="6113743" y="4044089"/>
+            <a:ext cx="420538" cy="1542057"/>
+          </a:xfrm>
+          <a:prstGeom prst="roundRect">
             <a:avLst/>
           </a:prstGeom>
           <a:solidFill>
@@ -4851,32 +6341,61 @@
           <a:lstStyle/>
           <a:p>
             <a:pPr algn="ctr"/>
-            <a:endParaRPr lang="en-US"/>
-          </a:p>
-        </p:txBody>
-      </p:sp>
-      <p:sp>
-        <p:nvSpPr>
-          <p:cNvPr id="17" name="Rounded Rectangle 16"/>
+            <a:r>
+              <a:rPr lang="en-US" dirty="0"/>
+              <a:t> 	</a:t>
+            </a:r>
+          </a:p>
+        </p:txBody>
+      </p:sp>
+      <p:sp>
+        <p:nvSpPr>
+          <p:cNvPr id="19" name="TextBox 18"/>
+          <p:cNvSpPr txBox="1"/>
+          <p:nvPr/>
+        </p:nvSpPr>
+        <p:spPr>
+          <a:xfrm>
+            <a:off x="8210832" y="2019598"/>
+            <a:ext cx="1585621" cy="646331"/>
+          </a:xfrm>
+          <a:prstGeom prst="rect">
+            <a:avLst/>
+          </a:prstGeom>
+          <a:noFill/>
+        </p:spPr>
+        <p:txBody>
+          <a:bodyPr wrap="square" rtlCol="0">
+            <a:spAutoFit/>
+          </a:bodyPr>
+          <a:lstStyle/>
+          <a:p>
+            <a:r>
+              <a:rPr lang="en-US" dirty="0"/>
+              <a:t>How do I plan my actions. </a:t>
+            </a:r>
+          </a:p>
+        </p:txBody>
+      </p:sp>
+      <p:sp>
+        <p:nvSpPr>
+          <p:cNvPr id="20" name="Action Button: Information 19">
+            <a:hlinkClick r:id="" action="ppaction://noaction" highlightClick="1"/>
+          </p:cNvPr>
           <p:cNvSpPr/>
           <p:nvPr/>
         </p:nvSpPr>
         <p:spPr>
           <a:xfrm>
-            <a:off x="7608527" y="5589847"/>
-            <a:ext cx="254845" cy="1101020"/>
-          </a:xfrm>
-          <a:prstGeom prst="roundRect">
+            <a:off x="7995887" y="3294983"/>
+            <a:ext cx="966234" cy="807541"/>
+          </a:xfrm>
+          <a:prstGeom prst="actionButtonInformation">
             <a:avLst/>
           </a:prstGeom>
           <a:solidFill>
-            <a:schemeClr val="bg1"/>
+            <a:srgbClr val="98F2FE"/>
           </a:solidFill>
-          <a:ln>
-            <a:solidFill>
-              <a:schemeClr val="bg1"/>
-            </a:solidFill>
-          </a:ln>
         </p:spPr>
         <p:style>
           <a:lnRef idx="2">
@@ -4899,23 +6418,55 @@
           <a:lstStyle/>
           <a:p>
             <a:pPr algn="ctr"/>
+            <a:endParaRPr lang="en-US"/>
+          </a:p>
+        </p:txBody>
+      </p:sp>
+      <p:sp>
+        <p:nvSpPr>
+          <p:cNvPr id="22" name="TextBox 21"/>
+          <p:cNvSpPr txBox="1"/>
+          <p:nvPr/>
+        </p:nvSpPr>
+        <p:spPr>
+          <a:xfrm>
+            <a:off x="9137374" y="3545821"/>
+            <a:ext cx="1585621" cy="369332"/>
+          </a:xfrm>
+          <a:prstGeom prst="rect">
+            <a:avLst/>
+          </a:prstGeom>
+          <a:noFill/>
+        </p:spPr>
+        <p:txBody>
+          <a:bodyPr wrap="square" rtlCol="0">
+            <a:spAutoFit/>
+          </a:bodyPr>
+          <a:lstStyle/>
+          <a:p>
             <a:r>
               <a:rPr lang="en-US" dirty="0"/>
-              <a:t> 	</a:t>
-            </a:r>
-          </a:p>
-        </p:txBody>
-      </p:sp>
-      <p:sp>
-        <p:nvSpPr>
-          <p:cNvPr id="18" name="Rounded Rectangle 17"/>
+              <a:t>I will draw it.</a:t>
+            </a:r>
+          </a:p>
+        </p:txBody>
+      </p:sp>
+      <p:sp>
+        <p:nvSpPr>
+          <p:cNvPr id="16" name="Rounded Rectangle 13">
+            <a:extLst>
+              <a:ext uri="{FF2B5EF4-FFF2-40B4-BE49-F238E27FC236}">
+                <a16:creationId xmlns:a16="http://schemas.microsoft.com/office/drawing/2014/main" id="{32182659-52F4-4996-B4D8-40BDF6DBE70F}"/>
+              </a:ext>
+            </a:extLst>
+          </p:cNvPr>
           <p:cNvSpPr/>
           <p:nvPr/>
         </p:nvSpPr>
         <p:spPr>
           <a:xfrm>
-            <a:off x="7963673" y="5589847"/>
-            <a:ext cx="257180" cy="1107705"/>
+            <a:off x="5223951" y="2313092"/>
+            <a:ext cx="373336" cy="1308967"/>
           </a:xfrm>
           <a:prstGeom prst="roundRect">
             <a:avLst/>
@@ -4950,61 +6501,38 @@
           <a:lstStyle/>
           <a:p>
             <a:pPr algn="ctr"/>
-            <a:r>
-              <a:rPr lang="en-US" dirty="0"/>
-              <a:t> 	</a:t>
-            </a:r>
-          </a:p>
-        </p:txBody>
-      </p:sp>
-      <p:sp>
-        <p:nvSpPr>
-          <p:cNvPr id="19" name="TextBox 18"/>
-          <p:cNvSpPr txBox="1"/>
-          <p:nvPr/>
-        </p:nvSpPr>
-        <p:spPr>
-          <a:xfrm>
-            <a:off x="8145624" y="1626083"/>
-            <a:ext cx="1585621" cy="646331"/>
-          </a:xfrm>
-          <a:prstGeom prst="rect">
-            <a:avLst/>
-          </a:prstGeom>
-          <a:noFill/>
-        </p:spPr>
-        <p:txBody>
-          <a:bodyPr wrap="square" rtlCol="0">
-            <a:spAutoFit/>
-          </a:bodyPr>
-          <a:lstStyle/>
-          <a:p>
-            <a:r>
-              <a:rPr lang="en-US" dirty="0"/>
-              <a:t>How do I plan my actions. </a:t>
-            </a:r>
-          </a:p>
-        </p:txBody>
-      </p:sp>
-      <p:sp>
-        <p:nvSpPr>
-          <p:cNvPr id="20" name="Action Button: Information 19">
-            <a:hlinkClick r:id="" action="ppaction://noaction" highlightClick="1"/>
+            <a:endParaRPr lang="en-US"/>
+          </a:p>
+        </p:txBody>
+      </p:sp>
+      <p:sp>
+        <p:nvSpPr>
+          <p:cNvPr id="21" name="Rounded Rectangle 17">
+            <a:extLst>
+              <a:ext uri="{FF2B5EF4-FFF2-40B4-BE49-F238E27FC236}">
+                <a16:creationId xmlns:a16="http://schemas.microsoft.com/office/drawing/2014/main" id="{3632E442-D719-4809-8D41-6BC924E9C78E}"/>
+              </a:ext>
+            </a:extLst>
           </p:cNvPr>
           <p:cNvSpPr/>
           <p:nvPr/>
         </p:nvSpPr>
         <p:spPr>
           <a:xfrm>
-            <a:off x="8332237" y="2621459"/>
-            <a:ext cx="699796" cy="530460"/>
-          </a:xfrm>
-          <a:prstGeom prst="actionButtonInformation">
+            <a:off x="5654686" y="4044089"/>
+            <a:ext cx="420538" cy="1542057"/>
+          </a:xfrm>
+          <a:prstGeom prst="roundRect">
             <a:avLst/>
           </a:prstGeom>
           <a:solidFill>
-            <a:srgbClr val="98F2FE"/>
+            <a:schemeClr val="bg1"/>
           </a:solidFill>
+          <a:ln>
+            <a:solidFill>
+              <a:schemeClr val="bg1"/>
+            </a:solidFill>
+          </a:ln>
         </p:spPr>
         <p:style>
           <a:lnRef idx="2">
@@ -5027,35 +6555,9 @@
           <a:lstStyle/>
           <a:p>
             <a:pPr algn="ctr"/>
-            <a:endParaRPr lang="en-US"/>
-          </a:p>
-        </p:txBody>
-      </p:sp>
-      <p:sp>
-        <p:nvSpPr>
-          <p:cNvPr id="22" name="TextBox 21"/>
-          <p:cNvSpPr txBox="1"/>
-          <p:nvPr/>
-        </p:nvSpPr>
-        <p:spPr>
-          <a:xfrm>
-            <a:off x="9139626" y="2702023"/>
-            <a:ext cx="1585621" cy="369332"/>
-          </a:xfrm>
-          <a:prstGeom prst="rect">
-            <a:avLst/>
-          </a:prstGeom>
-          <a:noFill/>
-        </p:spPr>
-        <p:txBody>
-          <a:bodyPr wrap="square" rtlCol="0">
-            <a:spAutoFit/>
-          </a:bodyPr>
-          <a:lstStyle/>
-          <a:p>
             <a:r>
               <a:rPr lang="en-US" dirty="0"/>
-              <a:t>I will draw it.</a:t>
+              <a:t> 	</a:t>
             </a:r>
           </a:p>
         </p:txBody>
@@ -5173,6 +6675,13 @@
             <a:off x="1558213" y="1690688"/>
             <a:ext cx="9339943" cy="4704184"/>
           </a:xfrm>
+          <a:effectLst>
+            <a:outerShdw blurRad="50800" dist="38100" dir="2700000" algn="tl" rotWithShape="0">
+              <a:prstClr val="black">
+                <a:alpha val="40000"/>
+              </a:prstClr>
+            </a:outerShdw>
+          </a:effectLst>
         </p:spPr>
       </p:pic>
     </p:spTree>
@@ -5650,6 +7159,20 @@
             <a:avLst/>
           </a:prstGeom>
         </p:spPr>
+        <p:style>
+          <a:lnRef idx="0">
+            <a:schemeClr val="accent5"/>
+          </a:lnRef>
+          <a:fillRef idx="3">
+            <a:schemeClr val="accent5"/>
+          </a:fillRef>
+          <a:effectRef idx="3">
+            <a:schemeClr val="accent5"/>
+          </a:effectRef>
+          <a:fontRef idx="minor">
+            <a:schemeClr val="lt1"/>
+          </a:fontRef>
+        </p:style>
       </p:pic>
       <p:pic>
         <p:nvPicPr>
@@ -5674,6 +7197,20 @@
             <a:avLst/>
           </a:prstGeom>
         </p:spPr>
+        <p:style>
+          <a:lnRef idx="0">
+            <a:schemeClr val="accent5"/>
+          </a:lnRef>
+          <a:fillRef idx="3">
+            <a:schemeClr val="accent5"/>
+          </a:fillRef>
+          <a:effectRef idx="3">
+            <a:schemeClr val="accent5"/>
+          </a:effectRef>
+          <a:fontRef idx="minor">
+            <a:schemeClr val="lt1"/>
+          </a:fontRef>
+        </p:style>
       </p:pic>
       <p:pic>
         <p:nvPicPr>
@@ -5698,6 +7235,20 @@
             <a:avLst/>
           </a:prstGeom>
         </p:spPr>
+        <p:style>
+          <a:lnRef idx="0">
+            <a:schemeClr val="accent5"/>
+          </a:lnRef>
+          <a:fillRef idx="3">
+            <a:schemeClr val="accent5"/>
+          </a:fillRef>
+          <a:effectRef idx="3">
+            <a:schemeClr val="accent5"/>
+          </a:effectRef>
+          <a:fontRef idx="minor">
+            <a:schemeClr val="lt1"/>
+          </a:fontRef>
+        </p:style>
       </p:pic>
       <p:pic>
         <p:nvPicPr>
@@ -5722,6 +7273,20 @@
             <a:avLst/>
           </a:prstGeom>
         </p:spPr>
+        <p:style>
+          <a:lnRef idx="0">
+            <a:schemeClr val="accent5"/>
+          </a:lnRef>
+          <a:fillRef idx="3">
+            <a:schemeClr val="accent5"/>
+          </a:fillRef>
+          <a:effectRef idx="3">
+            <a:schemeClr val="accent5"/>
+          </a:effectRef>
+          <a:fontRef idx="minor">
+            <a:schemeClr val="lt1"/>
+          </a:fontRef>
+        </p:style>
       </p:pic>
       <p:pic>
         <p:nvPicPr>
@@ -5746,6 +7311,20 @@
             <a:avLst/>
           </a:prstGeom>
         </p:spPr>
+        <p:style>
+          <a:lnRef idx="0">
+            <a:schemeClr val="accent5"/>
+          </a:lnRef>
+          <a:fillRef idx="3">
+            <a:schemeClr val="accent5"/>
+          </a:fillRef>
+          <a:effectRef idx="3">
+            <a:schemeClr val="accent5"/>
+          </a:effectRef>
+          <a:fontRef idx="minor">
+            <a:schemeClr val="lt1"/>
+          </a:fontRef>
+        </p:style>
       </p:pic>
       <p:pic>
         <p:nvPicPr>
@@ -5770,6 +7349,20 @@
             <a:avLst/>
           </a:prstGeom>
         </p:spPr>
+        <p:style>
+          <a:lnRef idx="0">
+            <a:schemeClr val="accent5"/>
+          </a:lnRef>
+          <a:fillRef idx="3">
+            <a:schemeClr val="accent5"/>
+          </a:fillRef>
+          <a:effectRef idx="3">
+            <a:schemeClr val="accent5"/>
+          </a:effectRef>
+          <a:fontRef idx="minor">
+            <a:schemeClr val="lt1"/>
+          </a:fontRef>
+        </p:style>
       </p:pic>
       <p:pic>
         <p:nvPicPr>
@@ -5794,6 +7387,20 @@
             <a:avLst/>
           </a:prstGeom>
         </p:spPr>
+        <p:style>
+          <a:lnRef idx="0">
+            <a:schemeClr val="accent5"/>
+          </a:lnRef>
+          <a:fillRef idx="3">
+            <a:schemeClr val="accent5"/>
+          </a:fillRef>
+          <a:effectRef idx="3">
+            <a:schemeClr val="accent5"/>
+          </a:effectRef>
+          <a:fontRef idx="minor">
+            <a:schemeClr val="lt1"/>
+          </a:fontRef>
+        </p:style>
       </p:pic>
     </p:spTree>
     <p:extLst>
@@ -5900,6 +7507,20 @@
             <a:avLst/>
           </a:prstGeom>
         </p:spPr>
+        <p:style>
+          <a:lnRef idx="0">
+            <a:schemeClr val="accent5"/>
+          </a:lnRef>
+          <a:fillRef idx="3">
+            <a:schemeClr val="accent5"/>
+          </a:fillRef>
+          <a:effectRef idx="3">
+            <a:schemeClr val="accent5"/>
+          </a:effectRef>
+          <a:fontRef idx="minor">
+            <a:schemeClr val="lt1"/>
+          </a:fontRef>
+        </p:style>
       </p:pic>
       <p:pic>
         <p:nvPicPr>
@@ -5924,6 +7545,20 @@
             <a:avLst/>
           </a:prstGeom>
         </p:spPr>
+        <p:style>
+          <a:lnRef idx="0">
+            <a:schemeClr val="accent5"/>
+          </a:lnRef>
+          <a:fillRef idx="3">
+            <a:schemeClr val="accent5"/>
+          </a:fillRef>
+          <a:effectRef idx="3">
+            <a:schemeClr val="accent5"/>
+          </a:effectRef>
+          <a:fontRef idx="minor">
+            <a:schemeClr val="lt1"/>
+          </a:fontRef>
+        </p:style>
       </p:pic>
       <p:pic>
         <p:nvPicPr>
@@ -5948,6 +7583,20 @@
             <a:avLst/>
           </a:prstGeom>
         </p:spPr>
+        <p:style>
+          <a:lnRef idx="0">
+            <a:schemeClr val="accent5"/>
+          </a:lnRef>
+          <a:fillRef idx="3">
+            <a:schemeClr val="accent5"/>
+          </a:fillRef>
+          <a:effectRef idx="3">
+            <a:schemeClr val="accent5"/>
+          </a:effectRef>
+          <a:fontRef idx="minor">
+            <a:schemeClr val="lt1"/>
+          </a:fontRef>
+        </p:style>
       </p:pic>
       <p:pic>
         <p:nvPicPr>
@@ -5972,6 +7621,20 @@
             <a:avLst/>
           </a:prstGeom>
         </p:spPr>
+        <p:style>
+          <a:lnRef idx="0">
+            <a:schemeClr val="accent5"/>
+          </a:lnRef>
+          <a:fillRef idx="3">
+            <a:schemeClr val="accent5"/>
+          </a:fillRef>
+          <a:effectRef idx="3">
+            <a:schemeClr val="accent5"/>
+          </a:effectRef>
+          <a:fontRef idx="minor">
+            <a:schemeClr val="lt1"/>
+          </a:fontRef>
+        </p:style>
       </p:pic>
       <p:pic>
         <p:nvPicPr>
@@ -5996,6 +7659,20 @@
             <a:avLst/>
           </a:prstGeom>
         </p:spPr>
+        <p:style>
+          <a:lnRef idx="0">
+            <a:schemeClr val="accent5"/>
+          </a:lnRef>
+          <a:fillRef idx="3">
+            <a:schemeClr val="accent5"/>
+          </a:fillRef>
+          <a:effectRef idx="3">
+            <a:schemeClr val="accent5"/>
+          </a:effectRef>
+          <a:fontRef idx="minor">
+            <a:schemeClr val="lt1"/>
+          </a:fontRef>
+        </p:style>
       </p:pic>
       <p:sp>
         <p:nvSpPr>
@@ -6200,7 +7877,22 @@
           <a:prstGeom prst="rect">
             <a:avLst/>
           </a:prstGeom>
-        </p:spPr>
+          <a:ln/>
+        </p:spPr>
+        <p:style>
+          <a:lnRef idx="0">
+            <a:schemeClr val="accent5"/>
+          </a:lnRef>
+          <a:fillRef idx="3">
+            <a:schemeClr val="accent5"/>
+          </a:fillRef>
+          <a:effectRef idx="3">
+            <a:schemeClr val="accent5"/>
+          </a:effectRef>
+          <a:fontRef idx="minor">
+            <a:schemeClr val="lt1"/>
+          </a:fontRef>
+        </p:style>
       </p:pic>
       <p:pic>
         <p:nvPicPr>
@@ -6224,7 +7916,22 @@
           <a:prstGeom prst="rect">
             <a:avLst/>
           </a:prstGeom>
-        </p:spPr>
+          <a:ln/>
+        </p:spPr>
+        <p:style>
+          <a:lnRef idx="0">
+            <a:schemeClr val="accent5"/>
+          </a:lnRef>
+          <a:fillRef idx="3">
+            <a:schemeClr val="accent5"/>
+          </a:fillRef>
+          <a:effectRef idx="3">
+            <a:schemeClr val="accent5"/>
+          </a:effectRef>
+          <a:fontRef idx="minor">
+            <a:schemeClr val="lt1"/>
+          </a:fontRef>
+        </p:style>
       </p:pic>
       <p:pic>
         <p:nvPicPr>
@@ -6248,7 +7955,22 @@
           <a:prstGeom prst="rect">
             <a:avLst/>
           </a:prstGeom>
-        </p:spPr>
+          <a:ln/>
+        </p:spPr>
+        <p:style>
+          <a:lnRef idx="0">
+            <a:schemeClr val="accent5"/>
+          </a:lnRef>
+          <a:fillRef idx="3">
+            <a:schemeClr val="accent5"/>
+          </a:fillRef>
+          <a:effectRef idx="3">
+            <a:schemeClr val="accent5"/>
+          </a:effectRef>
+          <a:fontRef idx="minor">
+            <a:schemeClr val="lt1"/>
+          </a:fontRef>
+        </p:style>
       </p:pic>
       <p:pic>
         <p:nvPicPr>
@@ -6272,7 +7994,22 @@
           <a:prstGeom prst="rect">
             <a:avLst/>
           </a:prstGeom>
-        </p:spPr>
+          <a:ln/>
+        </p:spPr>
+        <p:style>
+          <a:lnRef idx="0">
+            <a:schemeClr val="accent5"/>
+          </a:lnRef>
+          <a:fillRef idx="3">
+            <a:schemeClr val="accent5"/>
+          </a:fillRef>
+          <a:effectRef idx="3">
+            <a:schemeClr val="accent5"/>
+          </a:effectRef>
+          <a:fontRef idx="minor">
+            <a:schemeClr val="lt1"/>
+          </a:fontRef>
+        </p:style>
       </p:pic>
       <p:sp>
         <p:nvSpPr>
@@ -6329,7 +8066,22 @@
           <a:prstGeom prst="rect">
             <a:avLst/>
           </a:prstGeom>
-        </p:spPr>
+          <a:ln/>
+        </p:spPr>
+        <p:style>
+          <a:lnRef idx="0">
+            <a:schemeClr val="accent5"/>
+          </a:lnRef>
+          <a:fillRef idx="3">
+            <a:schemeClr val="accent5"/>
+          </a:fillRef>
+          <a:effectRef idx="3">
+            <a:schemeClr val="accent5"/>
+          </a:effectRef>
+          <a:fontRef idx="minor">
+            <a:schemeClr val="lt1"/>
+          </a:fontRef>
+        </p:style>
       </p:pic>
       <p:pic>
         <p:nvPicPr>
@@ -6353,7 +8105,22 @@
           <a:prstGeom prst="rect">
             <a:avLst/>
           </a:prstGeom>
-        </p:spPr>
+          <a:ln/>
+        </p:spPr>
+        <p:style>
+          <a:lnRef idx="0">
+            <a:schemeClr val="accent5"/>
+          </a:lnRef>
+          <a:fillRef idx="3">
+            <a:schemeClr val="accent5"/>
+          </a:fillRef>
+          <a:effectRef idx="3">
+            <a:schemeClr val="accent5"/>
+          </a:effectRef>
+          <a:fontRef idx="minor">
+            <a:schemeClr val="lt1"/>
+          </a:fontRef>
+        </p:style>
       </p:pic>
       <p:sp>
         <p:nvSpPr>
@@ -7448,49 +9215,6 @@
 </a:themeOverride>
 </file>
 
-<file path=ppt/theme/themeOverride15.xml><?xml version="1.0" encoding="utf-8"?>
-<a:themeOverride xmlns:a="http://schemas.openxmlformats.org/drawingml/2006/main">
-  <a:clrScheme name="Office">
-    <a:dk1>
-      <a:sysClr val="windowText" lastClr="000000"/>
-    </a:dk1>
-    <a:lt1>
-      <a:sysClr val="window" lastClr="FFFFFF"/>
-    </a:lt1>
-    <a:dk2>
-      <a:srgbClr val="44546A"/>
-    </a:dk2>
-    <a:lt2>
-      <a:srgbClr val="E7E6E6"/>
-    </a:lt2>
-    <a:accent1>
-      <a:srgbClr val="5B9BD5"/>
-    </a:accent1>
-    <a:accent2>
-      <a:srgbClr val="ED7D31"/>
-    </a:accent2>
-    <a:accent3>
-      <a:srgbClr val="A5A5A5"/>
-    </a:accent3>
-    <a:accent4>
-      <a:srgbClr val="FFC000"/>
-    </a:accent4>
-    <a:accent5>
-      <a:srgbClr val="4472C4"/>
-    </a:accent5>
-    <a:accent6>
-      <a:srgbClr val="70AD47"/>
-    </a:accent6>
-    <a:hlink>
-      <a:srgbClr val="0563C1"/>
-    </a:hlink>
-    <a:folHlink>
-      <a:srgbClr val="954F72"/>
-    </a:folHlink>
-  </a:clrScheme>
-</a:themeOverride>
-</file>
-
 <file path=ppt/theme/themeOverride2.xml><?xml version="1.0" encoding="utf-8"?>
 <a:themeOverride xmlns:a="http://schemas.openxmlformats.org/drawingml/2006/main">
   <a:clrScheme name="Office">

--- a/Presentation.pptx
+++ b/Presentation.pptx
@@ -256,7 +256,7 @@
           <a:p>
             <a:fld id="{698B55E8-0A4E-4FAF-9ACD-29244A592DC6}" type="datetimeFigureOut">
               <a:rPr lang="en-US" smtClean="0"/>
-              <a:t>11-Apr-18</a:t>
+              <a:t>4/11/2018</a:t>
             </a:fld>
             <a:endParaRPr lang="en-US"/>
           </a:p>
@@ -424,7 +424,7 @@
           <a:p>
             <a:fld id="{698B55E8-0A4E-4FAF-9ACD-29244A592DC6}" type="datetimeFigureOut">
               <a:rPr lang="en-US" smtClean="0"/>
-              <a:t>11-Apr-18</a:t>
+              <a:t>4/11/2018</a:t>
             </a:fld>
             <a:endParaRPr lang="en-US"/>
           </a:p>
@@ -602,7 +602,7 @@
           <a:p>
             <a:fld id="{698B55E8-0A4E-4FAF-9ACD-29244A592DC6}" type="datetimeFigureOut">
               <a:rPr lang="en-US" smtClean="0"/>
-              <a:t>11-Apr-18</a:t>
+              <a:t>4/11/2018</a:t>
             </a:fld>
             <a:endParaRPr lang="en-US"/>
           </a:p>
@@ -830,7 +830,7 @@
           <a:p>
             <a:fld id="{698B55E8-0A4E-4FAF-9ACD-29244A592DC6}" type="datetimeFigureOut">
               <a:rPr lang="en-US" smtClean="0"/>
-              <a:t>11-Apr-18</a:t>
+              <a:t>4/11/2018</a:t>
             </a:fld>
             <a:endParaRPr lang="en-US"/>
           </a:p>
@@ -1075,7 +1075,7 @@
           <a:p>
             <a:fld id="{698B55E8-0A4E-4FAF-9ACD-29244A592DC6}" type="datetimeFigureOut">
               <a:rPr lang="en-US" smtClean="0"/>
-              <a:t>11-Apr-18</a:t>
+              <a:t>4/11/2018</a:t>
             </a:fld>
             <a:endParaRPr lang="en-US"/>
           </a:p>
@@ -1304,7 +1304,7 @@
           <a:p>
             <a:fld id="{698B55E8-0A4E-4FAF-9ACD-29244A592DC6}" type="datetimeFigureOut">
               <a:rPr lang="en-US" smtClean="0"/>
-              <a:t>11-Apr-18</a:t>
+              <a:t>4/11/2018</a:t>
             </a:fld>
             <a:endParaRPr lang="en-US"/>
           </a:p>
@@ -1668,7 +1668,7 @@
           <a:p>
             <a:fld id="{698B55E8-0A4E-4FAF-9ACD-29244A592DC6}" type="datetimeFigureOut">
               <a:rPr lang="en-US" smtClean="0"/>
-              <a:t>11-Apr-18</a:t>
+              <a:t>4/11/2018</a:t>
             </a:fld>
             <a:endParaRPr lang="en-US"/>
           </a:p>
@@ -1785,7 +1785,7 @@
           <a:p>
             <a:fld id="{698B55E8-0A4E-4FAF-9ACD-29244A592DC6}" type="datetimeFigureOut">
               <a:rPr lang="en-US" smtClean="0"/>
-              <a:t>11-Apr-18</a:t>
+              <a:t>4/11/2018</a:t>
             </a:fld>
             <a:endParaRPr lang="en-US"/>
           </a:p>
@@ -1880,7 +1880,7 @@
           <a:p>
             <a:fld id="{698B55E8-0A4E-4FAF-9ACD-29244A592DC6}" type="datetimeFigureOut">
               <a:rPr lang="en-US" smtClean="0"/>
-              <a:t>11-Apr-18</a:t>
+              <a:t>4/11/2018</a:t>
             </a:fld>
             <a:endParaRPr lang="en-US"/>
           </a:p>
@@ -2155,7 +2155,7 @@
           <a:p>
             <a:fld id="{698B55E8-0A4E-4FAF-9ACD-29244A592DC6}" type="datetimeFigureOut">
               <a:rPr lang="en-US" smtClean="0"/>
-              <a:t>11-Apr-18</a:t>
+              <a:t>4/11/2018</a:t>
             </a:fld>
             <a:endParaRPr lang="en-US"/>
           </a:p>
@@ -2407,7 +2407,7 @@
           <a:p>
             <a:fld id="{698B55E8-0A4E-4FAF-9ACD-29244A592DC6}" type="datetimeFigureOut">
               <a:rPr lang="en-US" smtClean="0"/>
-              <a:t>11-Apr-18</a:t>
+              <a:t>4/11/2018</a:t>
             </a:fld>
             <a:endParaRPr lang="en-US"/>
           </a:p>
@@ -2618,7 +2618,7 @@
           <a:p>
             <a:fld id="{698B55E8-0A4E-4FAF-9ACD-29244A592DC6}" type="datetimeFigureOut">
               <a:rPr lang="en-US" smtClean="0"/>
-              <a:t>11-Apr-18</a:t>
+              <a:t>4/11/2018</a:t>
             </a:fld>
             <a:endParaRPr lang="en-US"/>
           </a:p>
@@ -5880,15 +5880,36 @@
                   <a:schemeClr val="bg1"/>
                 </a:solidFill>
               </a:rPr>
-              <a:t>When starting working with a NUGET you need to be sure if the documentation is available and you have enough access to the original code logic.</a:t>
-            </a:r>
-          </a:p>
-          <a:p>
-            <a:endParaRPr lang="en-US" dirty="0">
-              <a:solidFill>
-                <a:schemeClr val="bg1"/>
-              </a:solidFill>
-            </a:endParaRPr>
+              <a:t>When starting work with a NUGET package (or a library/API), you need to be sure that enough documentation is available and you have enough access to the original code logic.</a:t>
+            </a:r>
+          </a:p>
+          <a:p>
+            <a:r>
+              <a:rPr lang="en-US" dirty="0">
+                <a:solidFill>
+                  <a:schemeClr val="bg1"/>
+                </a:solidFill>
+              </a:rPr>
+              <a:t>Still managed to create most of what we had in mind using this library</a:t>
+            </a:r>
+          </a:p>
+          <a:p>
+            <a:r>
+              <a:rPr lang="en-US">
+                <a:solidFill>
+                  <a:schemeClr val="bg1"/>
+                </a:solidFill>
+              </a:rPr>
+              <a:t>Many lessons were learne</a:t>
+            </a:r>
+            <a:r>
+              <a:rPr lang="en-US" dirty="0">
+                <a:solidFill>
+                  <a:schemeClr val="bg1"/>
+                </a:solidFill>
+              </a:rPr>
+              <a:t>d</a:t>
+            </a:r>
           </a:p>
         </p:txBody>
       </p:sp>
